--- a/mestint-gyak-9/docs/mestint-gyak-9.pptx
+++ b/mestint-gyak-9/docs/mestint-gyak-9.pptx
@@ -5,7 +5,7 @@
     <p:sldMasterId id="2147483648" r:id="rId1"/>
   </p:sldMasterIdLst>
   <p:notesMasterIdLst>
-    <p:notesMasterId r:id="rId47"/>
+    <p:notesMasterId r:id="rId48"/>
   </p:notesMasterIdLst>
   <p:sldIdLst>
     <p:sldId id="256" r:id="rId2"/>
@@ -17,42 +17,43 @@
     <p:sldId id="508" r:id="rId8"/>
     <p:sldId id="503" r:id="rId9"/>
     <p:sldId id="504" r:id="rId10"/>
-    <p:sldId id="505" r:id="rId11"/>
-    <p:sldId id="506" r:id="rId12"/>
-    <p:sldId id="507" r:id="rId13"/>
-    <p:sldId id="509" r:id="rId14"/>
-    <p:sldId id="510" r:id="rId15"/>
-    <p:sldId id="511" r:id="rId16"/>
-    <p:sldId id="512" r:id="rId17"/>
-    <p:sldId id="513" r:id="rId18"/>
-    <p:sldId id="514" r:id="rId19"/>
-    <p:sldId id="517" r:id="rId20"/>
-    <p:sldId id="515" r:id="rId21"/>
-    <p:sldId id="516" r:id="rId22"/>
-    <p:sldId id="522" r:id="rId23"/>
-    <p:sldId id="518" r:id="rId24"/>
-    <p:sldId id="519" r:id="rId25"/>
-    <p:sldId id="520" r:id="rId26"/>
-    <p:sldId id="521" r:id="rId27"/>
-    <p:sldId id="523" r:id="rId28"/>
-    <p:sldId id="524" r:id="rId29"/>
-    <p:sldId id="525" r:id="rId30"/>
-    <p:sldId id="526" r:id="rId31"/>
-    <p:sldId id="527" r:id="rId32"/>
-    <p:sldId id="528" r:id="rId33"/>
-    <p:sldId id="529" r:id="rId34"/>
-    <p:sldId id="530" r:id="rId35"/>
-    <p:sldId id="531" r:id="rId36"/>
-    <p:sldId id="532" r:id="rId37"/>
-    <p:sldId id="536" r:id="rId38"/>
-    <p:sldId id="533" r:id="rId39"/>
-    <p:sldId id="534" r:id="rId40"/>
-    <p:sldId id="535" r:id="rId41"/>
-    <p:sldId id="537" r:id="rId42"/>
-    <p:sldId id="538" r:id="rId43"/>
-    <p:sldId id="539" r:id="rId44"/>
-    <p:sldId id="540" r:id="rId45"/>
-    <p:sldId id="261" r:id="rId46"/>
+    <p:sldId id="541" r:id="rId11"/>
+    <p:sldId id="505" r:id="rId12"/>
+    <p:sldId id="506" r:id="rId13"/>
+    <p:sldId id="507" r:id="rId14"/>
+    <p:sldId id="509" r:id="rId15"/>
+    <p:sldId id="510" r:id="rId16"/>
+    <p:sldId id="511" r:id="rId17"/>
+    <p:sldId id="512" r:id="rId18"/>
+    <p:sldId id="513" r:id="rId19"/>
+    <p:sldId id="514" r:id="rId20"/>
+    <p:sldId id="517" r:id="rId21"/>
+    <p:sldId id="515" r:id="rId22"/>
+    <p:sldId id="516" r:id="rId23"/>
+    <p:sldId id="522" r:id="rId24"/>
+    <p:sldId id="518" r:id="rId25"/>
+    <p:sldId id="519" r:id="rId26"/>
+    <p:sldId id="520" r:id="rId27"/>
+    <p:sldId id="521" r:id="rId28"/>
+    <p:sldId id="523" r:id="rId29"/>
+    <p:sldId id="524" r:id="rId30"/>
+    <p:sldId id="525" r:id="rId31"/>
+    <p:sldId id="526" r:id="rId32"/>
+    <p:sldId id="527" r:id="rId33"/>
+    <p:sldId id="528" r:id="rId34"/>
+    <p:sldId id="529" r:id="rId35"/>
+    <p:sldId id="530" r:id="rId36"/>
+    <p:sldId id="531" r:id="rId37"/>
+    <p:sldId id="532" r:id="rId38"/>
+    <p:sldId id="536" r:id="rId39"/>
+    <p:sldId id="533" r:id="rId40"/>
+    <p:sldId id="534" r:id="rId41"/>
+    <p:sldId id="535" r:id="rId42"/>
+    <p:sldId id="537" r:id="rId43"/>
+    <p:sldId id="538" r:id="rId44"/>
+    <p:sldId id="539" r:id="rId45"/>
+    <p:sldId id="540" r:id="rId46"/>
+    <p:sldId id="261" r:id="rId47"/>
   </p:sldIdLst>
   <p:sldSz cx="12192000" cy="6858000"/>
   <p:notesSz cx="6858000" cy="9144000"/>
@@ -252,7 +253,7 @@
           <a:p>
             <a:fld id="{72074C08-BD63-4F04-ABC4-D02C3D8F1669}" type="datetimeFigureOut">
               <a:rPr lang="hu-HU" smtClean="0"/>
-              <a:t>2022. 04. 04.</a:t>
+              <a:t>2022. 04. 08.</a:t>
             </a:fld>
             <a:endParaRPr lang="hu-HU"/>
           </a:p>
@@ -677,7 +678,7 @@
     </p:spTree>
     <p:extLst>
       <p:ext uri="{BB962C8B-B14F-4D97-AF65-F5344CB8AC3E}">
-        <p14:creationId xmlns:p14="http://schemas.microsoft.com/office/powerpoint/2010/main" val="1439893232"/>
+        <p14:creationId xmlns:p14="http://schemas.microsoft.com/office/powerpoint/2010/main" val="1794278614"/>
       </p:ext>
     </p:extLst>
   </p:cSld>
@@ -761,7 +762,7 @@
     </p:spTree>
     <p:extLst>
       <p:ext uri="{BB962C8B-B14F-4D97-AF65-F5344CB8AC3E}">
-        <p14:creationId xmlns:p14="http://schemas.microsoft.com/office/powerpoint/2010/main" val="2140643777"/>
+        <p14:creationId xmlns:p14="http://schemas.microsoft.com/office/powerpoint/2010/main" val="1439893232"/>
       </p:ext>
     </p:extLst>
   </p:cSld>
@@ -845,7 +846,7 @@
     </p:spTree>
     <p:extLst>
       <p:ext uri="{BB962C8B-B14F-4D97-AF65-F5344CB8AC3E}">
-        <p14:creationId xmlns:p14="http://schemas.microsoft.com/office/powerpoint/2010/main" val="1818115743"/>
+        <p14:creationId xmlns:p14="http://schemas.microsoft.com/office/powerpoint/2010/main" val="2140643777"/>
       </p:ext>
     </p:extLst>
   </p:cSld>
@@ -929,7 +930,7 @@
     </p:spTree>
     <p:extLst>
       <p:ext uri="{BB962C8B-B14F-4D97-AF65-F5344CB8AC3E}">
-        <p14:creationId xmlns:p14="http://schemas.microsoft.com/office/powerpoint/2010/main" val="2430435988"/>
+        <p14:creationId xmlns:p14="http://schemas.microsoft.com/office/powerpoint/2010/main" val="1818115743"/>
       </p:ext>
     </p:extLst>
   </p:cSld>
@@ -1013,7 +1014,7 @@
     </p:spTree>
     <p:extLst>
       <p:ext uri="{BB962C8B-B14F-4D97-AF65-F5344CB8AC3E}">
-        <p14:creationId xmlns:p14="http://schemas.microsoft.com/office/powerpoint/2010/main" val="2180191594"/>
+        <p14:creationId xmlns:p14="http://schemas.microsoft.com/office/powerpoint/2010/main" val="2430435988"/>
       </p:ext>
     </p:extLst>
   </p:cSld>
@@ -1097,7 +1098,7 @@
     </p:spTree>
     <p:extLst>
       <p:ext uri="{BB962C8B-B14F-4D97-AF65-F5344CB8AC3E}">
-        <p14:creationId xmlns:p14="http://schemas.microsoft.com/office/powerpoint/2010/main" val="4043199292"/>
+        <p14:creationId xmlns:p14="http://schemas.microsoft.com/office/powerpoint/2010/main" val="2180191594"/>
       </p:ext>
     </p:extLst>
   </p:cSld>
@@ -1181,7 +1182,7 @@
     </p:spTree>
     <p:extLst>
       <p:ext uri="{BB962C8B-B14F-4D97-AF65-F5344CB8AC3E}">
-        <p14:creationId xmlns:p14="http://schemas.microsoft.com/office/powerpoint/2010/main" val="2602962076"/>
+        <p14:creationId xmlns:p14="http://schemas.microsoft.com/office/powerpoint/2010/main" val="4043199292"/>
       </p:ext>
     </p:extLst>
   </p:cSld>
@@ -1265,7 +1266,7 @@
     </p:spTree>
     <p:extLst>
       <p:ext uri="{BB962C8B-B14F-4D97-AF65-F5344CB8AC3E}">
-        <p14:creationId xmlns:p14="http://schemas.microsoft.com/office/powerpoint/2010/main" val="3495730148"/>
+        <p14:creationId xmlns:p14="http://schemas.microsoft.com/office/powerpoint/2010/main" val="2602962076"/>
       </p:ext>
     </p:extLst>
   </p:cSld>
@@ -1349,7 +1350,7 @@
     </p:spTree>
     <p:extLst>
       <p:ext uri="{BB962C8B-B14F-4D97-AF65-F5344CB8AC3E}">
-        <p14:creationId xmlns:p14="http://schemas.microsoft.com/office/powerpoint/2010/main" val="172316208"/>
+        <p14:creationId xmlns:p14="http://schemas.microsoft.com/office/powerpoint/2010/main" val="3495730148"/>
       </p:ext>
     </p:extLst>
   </p:cSld>
@@ -1433,7 +1434,7 @@
     </p:spTree>
     <p:extLst>
       <p:ext uri="{BB962C8B-B14F-4D97-AF65-F5344CB8AC3E}">
-        <p14:creationId xmlns:p14="http://schemas.microsoft.com/office/powerpoint/2010/main" val="3444921841"/>
+        <p14:creationId xmlns:p14="http://schemas.microsoft.com/office/powerpoint/2010/main" val="172316208"/>
       </p:ext>
     </p:extLst>
   </p:cSld>
@@ -1601,7 +1602,7 @@
     </p:spTree>
     <p:extLst>
       <p:ext uri="{BB962C8B-B14F-4D97-AF65-F5344CB8AC3E}">
-        <p14:creationId xmlns:p14="http://schemas.microsoft.com/office/powerpoint/2010/main" val="817895948"/>
+        <p14:creationId xmlns:p14="http://schemas.microsoft.com/office/powerpoint/2010/main" val="3444921841"/>
       </p:ext>
     </p:extLst>
   </p:cSld>
@@ -1685,7 +1686,7 @@
     </p:spTree>
     <p:extLst>
       <p:ext uri="{BB962C8B-B14F-4D97-AF65-F5344CB8AC3E}">
-        <p14:creationId xmlns:p14="http://schemas.microsoft.com/office/powerpoint/2010/main" val="2804507791"/>
+        <p14:creationId xmlns:p14="http://schemas.microsoft.com/office/powerpoint/2010/main" val="817895948"/>
       </p:ext>
     </p:extLst>
   </p:cSld>
@@ -1769,7 +1770,7 @@
     </p:spTree>
     <p:extLst>
       <p:ext uri="{BB962C8B-B14F-4D97-AF65-F5344CB8AC3E}">
-        <p14:creationId xmlns:p14="http://schemas.microsoft.com/office/powerpoint/2010/main" val="750930352"/>
+        <p14:creationId xmlns:p14="http://schemas.microsoft.com/office/powerpoint/2010/main" val="2804507791"/>
       </p:ext>
     </p:extLst>
   </p:cSld>
@@ -1853,7 +1854,7 @@
     </p:spTree>
     <p:extLst>
       <p:ext uri="{BB962C8B-B14F-4D97-AF65-F5344CB8AC3E}">
-        <p14:creationId xmlns:p14="http://schemas.microsoft.com/office/powerpoint/2010/main" val="3138076991"/>
+        <p14:creationId xmlns:p14="http://schemas.microsoft.com/office/powerpoint/2010/main" val="750930352"/>
       </p:ext>
     </p:extLst>
   </p:cSld>
@@ -1937,7 +1938,7 @@
     </p:spTree>
     <p:extLst>
       <p:ext uri="{BB962C8B-B14F-4D97-AF65-F5344CB8AC3E}">
-        <p14:creationId xmlns:p14="http://schemas.microsoft.com/office/powerpoint/2010/main" val="1056060939"/>
+        <p14:creationId xmlns:p14="http://schemas.microsoft.com/office/powerpoint/2010/main" val="3138076991"/>
       </p:ext>
     </p:extLst>
   </p:cSld>
@@ -2021,7 +2022,7 @@
     </p:spTree>
     <p:extLst>
       <p:ext uri="{BB962C8B-B14F-4D97-AF65-F5344CB8AC3E}">
-        <p14:creationId xmlns:p14="http://schemas.microsoft.com/office/powerpoint/2010/main" val="207663899"/>
+        <p14:creationId xmlns:p14="http://schemas.microsoft.com/office/powerpoint/2010/main" val="1056060939"/>
       </p:ext>
     </p:extLst>
   </p:cSld>
@@ -2105,7 +2106,7 @@
     </p:spTree>
     <p:extLst>
       <p:ext uri="{BB962C8B-B14F-4D97-AF65-F5344CB8AC3E}">
-        <p14:creationId xmlns:p14="http://schemas.microsoft.com/office/powerpoint/2010/main" val="574629845"/>
+        <p14:creationId xmlns:p14="http://schemas.microsoft.com/office/powerpoint/2010/main" val="207663899"/>
       </p:ext>
     </p:extLst>
   </p:cSld>
@@ -2189,7 +2190,7 @@
     </p:spTree>
     <p:extLst>
       <p:ext uri="{BB962C8B-B14F-4D97-AF65-F5344CB8AC3E}">
-        <p14:creationId xmlns:p14="http://schemas.microsoft.com/office/powerpoint/2010/main" val="2909407464"/>
+        <p14:creationId xmlns:p14="http://schemas.microsoft.com/office/powerpoint/2010/main" val="574629845"/>
       </p:ext>
     </p:extLst>
   </p:cSld>
@@ -2273,7 +2274,7 @@
     </p:spTree>
     <p:extLst>
       <p:ext uri="{BB962C8B-B14F-4D97-AF65-F5344CB8AC3E}">
-        <p14:creationId xmlns:p14="http://schemas.microsoft.com/office/powerpoint/2010/main" val="2582176497"/>
+        <p14:creationId xmlns:p14="http://schemas.microsoft.com/office/powerpoint/2010/main" val="2909407464"/>
       </p:ext>
     </p:extLst>
   </p:cSld>
@@ -2357,7 +2358,7 @@
     </p:spTree>
     <p:extLst>
       <p:ext uri="{BB962C8B-B14F-4D97-AF65-F5344CB8AC3E}">
-        <p14:creationId xmlns:p14="http://schemas.microsoft.com/office/powerpoint/2010/main" val="602944805"/>
+        <p14:creationId xmlns:p14="http://schemas.microsoft.com/office/powerpoint/2010/main" val="2582176497"/>
       </p:ext>
     </p:extLst>
   </p:cSld>
@@ -2525,7 +2526,7 @@
     </p:spTree>
     <p:extLst>
       <p:ext uri="{BB962C8B-B14F-4D97-AF65-F5344CB8AC3E}">
-        <p14:creationId xmlns:p14="http://schemas.microsoft.com/office/powerpoint/2010/main" val="2913978226"/>
+        <p14:creationId xmlns:p14="http://schemas.microsoft.com/office/powerpoint/2010/main" val="602944805"/>
       </p:ext>
     </p:extLst>
   </p:cSld>
@@ -2609,7 +2610,7 @@
     </p:spTree>
     <p:extLst>
       <p:ext uri="{BB962C8B-B14F-4D97-AF65-F5344CB8AC3E}">
-        <p14:creationId xmlns:p14="http://schemas.microsoft.com/office/powerpoint/2010/main" val="1052123901"/>
+        <p14:creationId xmlns:p14="http://schemas.microsoft.com/office/powerpoint/2010/main" val="2913978226"/>
       </p:ext>
     </p:extLst>
   </p:cSld>
@@ -2693,7 +2694,7 @@
     </p:spTree>
     <p:extLst>
       <p:ext uri="{BB962C8B-B14F-4D97-AF65-F5344CB8AC3E}">
-        <p14:creationId xmlns:p14="http://schemas.microsoft.com/office/powerpoint/2010/main" val="2333620829"/>
+        <p14:creationId xmlns:p14="http://schemas.microsoft.com/office/powerpoint/2010/main" val="1052123901"/>
       </p:ext>
     </p:extLst>
   </p:cSld>
@@ -2777,7 +2778,7 @@
     </p:spTree>
     <p:extLst>
       <p:ext uri="{BB962C8B-B14F-4D97-AF65-F5344CB8AC3E}">
-        <p14:creationId xmlns:p14="http://schemas.microsoft.com/office/powerpoint/2010/main" val="2518955881"/>
+        <p14:creationId xmlns:p14="http://schemas.microsoft.com/office/powerpoint/2010/main" val="2333620829"/>
       </p:ext>
     </p:extLst>
   </p:cSld>
@@ -2861,7 +2862,7 @@
     </p:spTree>
     <p:extLst>
       <p:ext uri="{BB962C8B-B14F-4D97-AF65-F5344CB8AC3E}">
-        <p14:creationId xmlns:p14="http://schemas.microsoft.com/office/powerpoint/2010/main" val="3734206246"/>
+        <p14:creationId xmlns:p14="http://schemas.microsoft.com/office/powerpoint/2010/main" val="2518955881"/>
       </p:ext>
     </p:extLst>
   </p:cSld>
@@ -2945,7 +2946,7 @@
     </p:spTree>
     <p:extLst>
       <p:ext uri="{BB962C8B-B14F-4D97-AF65-F5344CB8AC3E}">
-        <p14:creationId xmlns:p14="http://schemas.microsoft.com/office/powerpoint/2010/main" val="55085739"/>
+        <p14:creationId xmlns:p14="http://schemas.microsoft.com/office/powerpoint/2010/main" val="3734206246"/>
       </p:ext>
     </p:extLst>
   </p:cSld>
@@ -3029,7 +3030,7 @@
     </p:spTree>
     <p:extLst>
       <p:ext uri="{BB962C8B-B14F-4D97-AF65-F5344CB8AC3E}">
-        <p14:creationId xmlns:p14="http://schemas.microsoft.com/office/powerpoint/2010/main" val="576125708"/>
+        <p14:creationId xmlns:p14="http://schemas.microsoft.com/office/powerpoint/2010/main" val="55085739"/>
       </p:ext>
     </p:extLst>
   </p:cSld>
@@ -3113,7 +3114,7 @@
     </p:spTree>
     <p:extLst>
       <p:ext uri="{BB962C8B-B14F-4D97-AF65-F5344CB8AC3E}">
-        <p14:creationId xmlns:p14="http://schemas.microsoft.com/office/powerpoint/2010/main" val="3192251950"/>
+        <p14:creationId xmlns:p14="http://schemas.microsoft.com/office/powerpoint/2010/main" val="576125708"/>
       </p:ext>
     </p:extLst>
   </p:cSld>
@@ -3197,7 +3198,7 @@
     </p:spTree>
     <p:extLst>
       <p:ext uri="{BB962C8B-B14F-4D97-AF65-F5344CB8AC3E}">
-        <p14:creationId xmlns:p14="http://schemas.microsoft.com/office/powerpoint/2010/main" val="141200038"/>
+        <p14:creationId xmlns:p14="http://schemas.microsoft.com/office/powerpoint/2010/main" val="3192251950"/>
       </p:ext>
     </p:extLst>
   </p:cSld>
@@ -3281,7 +3282,7 @@
     </p:spTree>
     <p:extLst>
       <p:ext uri="{BB962C8B-B14F-4D97-AF65-F5344CB8AC3E}">
-        <p14:creationId xmlns:p14="http://schemas.microsoft.com/office/powerpoint/2010/main" val="2183179539"/>
+        <p14:creationId xmlns:p14="http://schemas.microsoft.com/office/powerpoint/2010/main" val="141200038"/>
       </p:ext>
     </p:extLst>
   </p:cSld>
@@ -3449,7 +3450,7 @@
     </p:spTree>
     <p:extLst>
       <p:ext uri="{BB962C8B-B14F-4D97-AF65-F5344CB8AC3E}">
-        <p14:creationId xmlns:p14="http://schemas.microsoft.com/office/powerpoint/2010/main" val="3290145455"/>
+        <p14:creationId xmlns:p14="http://schemas.microsoft.com/office/powerpoint/2010/main" val="2183179539"/>
       </p:ext>
     </p:extLst>
   </p:cSld>
@@ -3533,7 +3534,7 @@
     </p:spTree>
     <p:extLst>
       <p:ext uri="{BB962C8B-B14F-4D97-AF65-F5344CB8AC3E}">
-        <p14:creationId xmlns:p14="http://schemas.microsoft.com/office/powerpoint/2010/main" val="2200280141"/>
+        <p14:creationId xmlns:p14="http://schemas.microsoft.com/office/powerpoint/2010/main" val="3290145455"/>
       </p:ext>
     </p:extLst>
   </p:cSld>
@@ -3617,7 +3618,7 @@
     </p:spTree>
     <p:extLst>
       <p:ext uri="{BB962C8B-B14F-4D97-AF65-F5344CB8AC3E}">
-        <p14:creationId xmlns:p14="http://schemas.microsoft.com/office/powerpoint/2010/main" val="1139086419"/>
+        <p14:creationId xmlns:p14="http://schemas.microsoft.com/office/powerpoint/2010/main" val="2200280141"/>
       </p:ext>
     </p:extLst>
   </p:cSld>
@@ -3701,7 +3702,7 @@
     </p:spTree>
     <p:extLst>
       <p:ext uri="{BB962C8B-B14F-4D97-AF65-F5344CB8AC3E}">
-        <p14:creationId xmlns:p14="http://schemas.microsoft.com/office/powerpoint/2010/main" val="3869640575"/>
+        <p14:creationId xmlns:p14="http://schemas.microsoft.com/office/powerpoint/2010/main" val="1139086419"/>
       </p:ext>
     </p:extLst>
   </p:cSld>
@@ -3785,7 +3786,7 @@
     </p:spTree>
     <p:extLst>
       <p:ext uri="{BB962C8B-B14F-4D97-AF65-F5344CB8AC3E}">
-        <p14:creationId xmlns:p14="http://schemas.microsoft.com/office/powerpoint/2010/main" val="1003841790"/>
+        <p14:creationId xmlns:p14="http://schemas.microsoft.com/office/powerpoint/2010/main" val="3869640575"/>
       </p:ext>
     </p:extLst>
   </p:cSld>
@@ -3861,6 +3862,90 @@
             <a:fld id="{4A723682-A1F1-4C2F-82BF-56497B662A77}" type="slidenum">
               <a:rPr lang="hu-HU" smtClean="0"/>
               <a:t>45</a:t>
+            </a:fld>
+            <a:endParaRPr lang="hu-HU"/>
+          </a:p>
+        </p:txBody>
+      </p:sp>
+    </p:spTree>
+    <p:extLst>
+      <p:ext uri="{BB962C8B-B14F-4D97-AF65-F5344CB8AC3E}">
+        <p14:creationId xmlns:p14="http://schemas.microsoft.com/office/powerpoint/2010/main" val="1003841790"/>
+      </p:ext>
+    </p:extLst>
+  </p:cSld>
+  <p:clrMapOvr>
+    <a:masterClrMapping/>
+  </p:clrMapOvr>
+</p:notes>
+</file>
+
+<file path=ppt/notesSlides/notesSlide46.xml><?xml version="1.0" encoding="utf-8"?>
+<p:notes xmlns:a="http://schemas.openxmlformats.org/drawingml/2006/main" xmlns:r="http://schemas.openxmlformats.org/officeDocument/2006/relationships" xmlns:p="http://schemas.openxmlformats.org/presentationml/2006/main">
+  <p:cSld>
+    <p:spTree>
+      <p:nvGrpSpPr>
+        <p:cNvPr id="1" name=""/>
+        <p:cNvGrpSpPr/>
+        <p:nvPr/>
+      </p:nvGrpSpPr>
+      <p:grpSpPr>
+        <a:xfrm>
+          <a:off x="0" y="0"/>
+          <a:ext cx="0" cy="0"/>
+          <a:chOff x="0" y="0"/>
+          <a:chExt cx="0" cy="0"/>
+        </a:xfrm>
+      </p:grpSpPr>
+      <p:sp>
+        <p:nvSpPr>
+          <p:cNvPr id="2" name="Diakép helye 1"/>
+          <p:cNvSpPr>
+            <a:spLocks noGrp="1" noRot="1" noChangeAspect="1"/>
+          </p:cNvSpPr>
+          <p:nvPr>
+            <p:ph type="sldImg"/>
+          </p:nvPr>
+        </p:nvSpPr>
+        <p:spPr/>
+      </p:sp>
+      <p:sp>
+        <p:nvSpPr>
+          <p:cNvPr id="3" name="Jegyzetek helye 2"/>
+          <p:cNvSpPr>
+            <a:spLocks noGrp="1"/>
+          </p:cNvSpPr>
+          <p:nvPr>
+            <p:ph type="body" idx="1"/>
+          </p:nvPr>
+        </p:nvSpPr>
+        <p:spPr/>
+        <p:txBody>
+          <a:bodyPr/>
+          <a:lstStyle/>
+          <a:p>
+            <a:endParaRPr lang="hu-HU" dirty="0"/>
+          </a:p>
+        </p:txBody>
+      </p:sp>
+      <p:sp>
+        <p:nvSpPr>
+          <p:cNvPr id="4" name="Dia számának helye 3"/>
+          <p:cNvSpPr>
+            <a:spLocks noGrp="1"/>
+          </p:cNvSpPr>
+          <p:nvPr>
+            <p:ph type="sldNum" sz="quarter" idx="5"/>
+          </p:nvPr>
+        </p:nvSpPr>
+        <p:spPr/>
+        <p:txBody>
+          <a:bodyPr/>
+          <a:lstStyle/>
+          <a:p>
+            <a:fld id="{4A723682-A1F1-4C2F-82BF-56497B662A77}" type="slidenum">
+              <a:rPr lang="hu-HU" smtClean="0"/>
+              <a:t>46</a:t>
             </a:fld>
             <a:endParaRPr lang="hu-HU"/>
           </a:p>
@@ -4446,7 +4531,7 @@
           <a:p>
             <a:fld id="{900BB015-9CA2-424C-8DE5-53A94566E027}" type="datetimeFigureOut">
               <a:rPr lang="hu-HU" smtClean="0"/>
-              <a:t>2022. 04. 04.</a:t>
+              <a:t>2022. 04. 08.</a:t>
             </a:fld>
             <a:endParaRPr lang="hu-HU"/>
           </a:p>
@@ -4644,7 +4729,7 @@
           <a:p>
             <a:fld id="{900BB015-9CA2-424C-8DE5-53A94566E027}" type="datetimeFigureOut">
               <a:rPr lang="hu-HU" smtClean="0"/>
-              <a:t>2022. 04. 04.</a:t>
+              <a:t>2022. 04. 08.</a:t>
             </a:fld>
             <a:endParaRPr lang="hu-HU"/>
           </a:p>
@@ -4852,7 +4937,7 @@
           <a:p>
             <a:fld id="{900BB015-9CA2-424C-8DE5-53A94566E027}" type="datetimeFigureOut">
               <a:rPr lang="hu-HU" smtClean="0"/>
-              <a:t>2022. 04. 04.</a:t>
+              <a:t>2022. 04. 08.</a:t>
             </a:fld>
             <a:endParaRPr lang="hu-HU"/>
           </a:p>
@@ -5050,7 +5135,7 @@
           <a:p>
             <a:fld id="{900BB015-9CA2-424C-8DE5-53A94566E027}" type="datetimeFigureOut">
               <a:rPr lang="hu-HU" smtClean="0"/>
-              <a:t>2022. 04. 04.</a:t>
+              <a:t>2022. 04. 08.</a:t>
             </a:fld>
             <a:endParaRPr lang="hu-HU"/>
           </a:p>
@@ -5325,7 +5410,7 @@
           <a:p>
             <a:fld id="{900BB015-9CA2-424C-8DE5-53A94566E027}" type="datetimeFigureOut">
               <a:rPr lang="hu-HU" smtClean="0"/>
-              <a:t>2022. 04. 04.</a:t>
+              <a:t>2022. 04. 08.</a:t>
             </a:fld>
             <a:endParaRPr lang="hu-HU"/>
           </a:p>
@@ -5590,7 +5675,7 @@
           <a:p>
             <a:fld id="{900BB015-9CA2-424C-8DE5-53A94566E027}" type="datetimeFigureOut">
               <a:rPr lang="hu-HU" smtClean="0"/>
-              <a:t>2022. 04. 04.</a:t>
+              <a:t>2022. 04. 08.</a:t>
             </a:fld>
             <a:endParaRPr lang="hu-HU"/>
           </a:p>
@@ -6002,7 +6087,7 @@
           <a:p>
             <a:fld id="{900BB015-9CA2-424C-8DE5-53A94566E027}" type="datetimeFigureOut">
               <a:rPr lang="hu-HU" smtClean="0"/>
-              <a:t>2022. 04. 04.</a:t>
+              <a:t>2022. 04. 08.</a:t>
             </a:fld>
             <a:endParaRPr lang="hu-HU"/>
           </a:p>
@@ -6143,7 +6228,7 @@
           <a:p>
             <a:fld id="{900BB015-9CA2-424C-8DE5-53A94566E027}" type="datetimeFigureOut">
               <a:rPr lang="hu-HU" smtClean="0"/>
-              <a:t>2022. 04. 04.</a:t>
+              <a:t>2022. 04. 08.</a:t>
             </a:fld>
             <a:endParaRPr lang="hu-HU"/>
           </a:p>
@@ -6256,7 +6341,7 @@
           <a:p>
             <a:fld id="{900BB015-9CA2-424C-8DE5-53A94566E027}" type="datetimeFigureOut">
               <a:rPr lang="hu-HU" smtClean="0"/>
-              <a:t>2022. 04. 04.</a:t>
+              <a:t>2022. 04. 08.</a:t>
             </a:fld>
             <a:endParaRPr lang="hu-HU"/>
           </a:p>
@@ -6567,7 +6652,7 @@
           <a:p>
             <a:fld id="{900BB015-9CA2-424C-8DE5-53A94566E027}" type="datetimeFigureOut">
               <a:rPr lang="hu-HU" smtClean="0"/>
-              <a:t>2022. 04. 04.</a:t>
+              <a:t>2022. 04. 08.</a:t>
             </a:fld>
             <a:endParaRPr lang="hu-HU"/>
           </a:p>
@@ -6855,7 +6940,7 @@
           <a:p>
             <a:fld id="{900BB015-9CA2-424C-8DE5-53A94566E027}" type="datetimeFigureOut">
               <a:rPr lang="hu-HU" smtClean="0"/>
-              <a:t>2022. 04. 04.</a:t>
+              <a:t>2022. 04. 08.</a:t>
             </a:fld>
             <a:endParaRPr lang="hu-HU"/>
           </a:p>
@@ -7096,7 +7181,7 @@
           <a:p>
             <a:fld id="{900BB015-9CA2-424C-8DE5-53A94566E027}" type="datetimeFigureOut">
               <a:rPr lang="hu-HU" smtClean="0"/>
-              <a:t>2022. 04. 04.</a:t>
+              <a:t>2022. 04. 08.</a:t>
             </a:fld>
             <a:endParaRPr lang="hu-HU"/>
           </a:p>
@@ -8180,47 +8265,7 @@
         </p:nvSpPr>
         <p:spPr>
           <a:xfrm>
-            <a:off x="3826028" y="3642360"/>
-            <a:ext cx="309700" cy="276999"/>
-          </a:xfrm>
-          <a:prstGeom prst="rect">
-            <a:avLst/>
-          </a:prstGeom>
-          <a:noFill/>
-        </p:spPr>
-        <p:txBody>
-          <a:bodyPr wrap="none" rtlCol="0">
-            <a:spAutoFit/>
-          </a:bodyPr>
-          <a:lstStyle/>
-          <a:p>
-            <a:pPr algn="ctr"/>
-            <a:r>
-              <a:rPr lang="hu-HU" sz="1200" dirty="0">
-                <a:solidFill>
-                  <a:srgbClr val="FF0000"/>
-                </a:solidFill>
-              </a:rPr>
-              <a:t>-1</a:t>
-            </a:r>
-          </a:p>
-        </p:txBody>
-      </p:sp>
-      <p:sp>
-        <p:nvSpPr>
-          <p:cNvPr id="13" name="Szövegdoboz 12">
-            <a:extLst>
-              <a:ext uri="{FF2B5EF4-FFF2-40B4-BE49-F238E27FC236}">
-                <a16:creationId xmlns:a16="http://schemas.microsoft.com/office/drawing/2014/main" id="{A8D1A155-1F15-4A9C-95DA-A5428156D2D5}"/>
-              </a:ext>
-            </a:extLst>
-          </p:cNvPr>
-          <p:cNvSpPr txBox="1"/>
-          <p:nvPr/>
-        </p:nvSpPr>
-        <p:spPr>
-          <a:xfrm>
-            <a:off x="4909819" y="3642360"/>
+            <a:off x="3854883" y="3642360"/>
             <a:ext cx="251992" cy="276999"/>
           </a:xfrm>
           <a:prstGeom prst="rect">
@@ -8248,19 +8293,19 @@
       </p:sp>
       <p:sp>
         <p:nvSpPr>
-          <p:cNvPr id="14" name="Szövegdoboz 13">
-            <a:extLst>
-              <a:ext uri="{FF2B5EF4-FFF2-40B4-BE49-F238E27FC236}">
-                <a16:creationId xmlns:a16="http://schemas.microsoft.com/office/drawing/2014/main" id="{DA21B6EF-78B4-4B28-9B74-FF31DB53AA40}"/>
-              </a:ext>
-            </a:extLst>
-          </p:cNvPr>
-          <p:cNvSpPr txBox="1"/>
-          <p:nvPr/>
-        </p:nvSpPr>
-        <p:spPr>
-          <a:xfrm>
-            <a:off x="5970003" y="3642360"/>
+          <p:cNvPr id="13" name="Szövegdoboz 12">
+            <a:extLst>
+              <a:ext uri="{FF2B5EF4-FFF2-40B4-BE49-F238E27FC236}">
+                <a16:creationId xmlns:a16="http://schemas.microsoft.com/office/drawing/2014/main" id="{A8D1A155-1F15-4A9C-95DA-A5428156D2D5}"/>
+              </a:ext>
+            </a:extLst>
+          </p:cNvPr>
+          <p:cNvSpPr txBox="1"/>
+          <p:nvPr/>
+        </p:nvSpPr>
+        <p:spPr>
+          <a:xfrm>
+            <a:off x="4909819" y="3642360"/>
             <a:ext cx="251992" cy="276999"/>
           </a:xfrm>
           <a:prstGeom prst="rect">
@@ -8288,19 +8333,19 @@
       </p:sp>
       <p:sp>
         <p:nvSpPr>
-          <p:cNvPr id="15" name="Szövegdoboz 14">
-            <a:extLst>
-              <a:ext uri="{FF2B5EF4-FFF2-40B4-BE49-F238E27FC236}">
-                <a16:creationId xmlns:a16="http://schemas.microsoft.com/office/drawing/2014/main" id="{0E54AE78-791D-4091-A9FC-ABAC1440357D}"/>
-              </a:ext>
-            </a:extLst>
-          </p:cNvPr>
-          <p:cNvSpPr txBox="1"/>
-          <p:nvPr/>
-        </p:nvSpPr>
-        <p:spPr>
-          <a:xfrm>
-            <a:off x="7030187" y="3642360"/>
+          <p:cNvPr id="14" name="Szövegdoboz 13">
+            <a:extLst>
+              <a:ext uri="{FF2B5EF4-FFF2-40B4-BE49-F238E27FC236}">
+                <a16:creationId xmlns:a16="http://schemas.microsoft.com/office/drawing/2014/main" id="{DA21B6EF-78B4-4B28-9B74-FF31DB53AA40}"/>
+              </a:ext>
+            </a:extLst>
+          </p:cNvPr>
+          <p:cNvSpPr txBox="1"/>
+          <p:nvPr/>
+        </p:nvSpPr>
+        <p:spPr>
+          <a:xfrm>
+            <a:off x="5970003" y="3642360"/>
             <a:ext cx="251992" cy="276999"/>
           </a:xfrm>
           <a:prstGeom prst="rect">
@@ -8328,19 +8373,19 @@
       </p:sp>
       <p:sp>
         <p:nvSpPr>
-          <p:cNvPr id="16" name="Szövegdoboz 15">
-            <a:extLst>
-              <a:ext uri="{FF2B5EF4-FFF2-40B4-BE49-F238E27FC236}">
-                <a16:creationId xmlns:a16="http://schemas.microsoft.com/office/drawing/2014/main" id="{FDE8274C-4615-4668-9E66-542E02206DA3}"/>
-              </a:ext>
-            </a:extLst>
-          </p:cNvPr>
-          <p:cNvSpPr txBox="1"/>
-          <p:nvPr/>
-        </p:nvSpPr>
-        <p:spPr>
-          <a:xfrm>
-            <a:off x="8085125" y="3642360"/>
+          <p:cNvPr id="15" name="Szövegdoboz 14">
+            <a:extLst>
+              <a:ext uri="{FF2B5EF4-FFF2-40B4-BE49-F238E27FC236}">
+                <a16:creationId xmlns:a16="http://schemas.microsoft.com/office/drawing/2014/main" id="{0E54AE78-791D-4091-A9FC-ABAC1440357D}"/>
+              </a:ext>
+            </a:extLst>
+          </p:cNvPr>
+          <p:cNvSpPr txBox="1"/>
+          <p:nvPr/>
+        </p:nvSpPr>
+        <p:spPr>
+          <a:xfrm>
+            <a:off x="7030187" y="3642360"/>
             <a:ext cx="251992" cy="276999"/>
           </a:xfrm>
           <a:prstGeom prst="rect">
@@ -8368,19 +8413,19 @@
       </p:sp>
       <p:sp>
         <p:nvSpPr>
-          <p:cNvPr id="17" name="Szövegdoboz 16">
-            <a:extLst>
-              <a:ext uri="{FF2B5EF4-FFF2-40B4-BE49-F238E27FC236}">
-                <a16:creationId xmlns:a16="http://schemas.microsoft.com/office/drawing/2014/main" id="{C6A679CB-2B1A-4799-8657-226B3D81FC88}"/>
-              </a:ext>
-            </a:extLst>
-          </p:cNvPr>
-          <p:cNvSpPr txBox="1"/>
-          <p:nvPr/>
-        </p:nvSpPr>
-        <p:spPr>
-          <a:xfrm>
-            <a:off x="9140063" y="3642360"/>
+          <p:cNvPr id="16" name="Szövegdoboz 15">
+            <a:extLst>
+              <a:ext uri="{FF2B5EF4-FFF2-40B4-BE49-F238E27FC236}">
+                <a16:creationId xmlns:a16="http://schemas.microsoft.com/office/drawing/2014/main" id="{FDE8274C-4615-4668-9E66-542E02206DA3}"/>
+              </a:ext>
+            </a:extLst>
+          </p:cNvPr>
+          <p:cNvSpPr txBox="1"/>
+          <p:nvPr/>
+        </p:nvSpPr>
+        <p:spPr>
+          <a:xfrm>
+            <a:off x="8085125" y="3642360"/>
             <a:ext cx="251992" cy="276999"/>
           </a:xfrm>
           <a:prstGeom prst="rect">
@@ -8408,19 +8453,19 @@
       </p:sp>
       <p:sp>
         <p:nvSpPr>
-          <p:cNvPr id="18" name="Szövegdoboz 17">
-            <a:extLst>
-              <a:ext uri="{FF2B5EF4-FFF2-40B4-BE49-F238E27FC236}">
-                <a16:creationId xmlns:a16="http://schemas.microsoft.com/office/drawing/2014/main" id="{20A30439-9E74-489A-B8CB-33DA90ED0A52}"/>
-              </a:ext>
-            </a:extLst>
-          </p:cNvPr>
-          <p:cNvSpPr txBox="1"/>
-          <p:nvPr/>
-        </p:nvSpPr>
-        <p:spPr>
-          <a:xfrm>
-            <a:off x="10203483" y="3642360"/>
+          <p:cNvPr id="17" name="Szövegdoboz 16">
+            <a:extLst>
+              <a:ext uri="{FF2B5EF4-FFF2-40B4-BE49-F238E27FC236}">
+                <a16:creationId xmlns:a16="http://schemas.microsoft.com/office/drawing/2014/main" id="{C6A679CB-2B1A-4799-8657-226B3D81FC88}"/>
+              </a:ext>
+            </a:extLst>
+          </p:cNvPr>
+          <p:cNvSpPr txBox="1"/>
+          <p:nvPr/>
+        </p:nvSpPr>
+        <p:spPr>
+          <a:xfrm>
+            <a:off x="9140063" y="3642360"/>
             <a:ext cx="251992" cy="276999"/>
           </a:xfrm>
           <a:prstGeom prst="rect">
@@ -8448,6 +8493,46 @@
       </p:sp>
       <p:sp>
         <p:nvSpPr>
+          <p:cNvPr id="18" name="Szövegdoboz 17">
+            <a:extLst>
+              <a:ext uri="{FF2B5EF4-FFF2-40B4-BE49-F238E27FC236}">
+                <a16:creationId xmlns:a16="http://schemas.microsoft.com/office/drawing/2014/main" id="{20A30439-9E74-489A-B8CB-33DA90ED0A52}"/>
+              </a:ext>
+            </a:extLst>
+          </p:cNvPr>
+          <p:cNvSpPr txBox="1"/>
+          <p:nvPr/>
+        </p:nvSpPr>
+        <p:spPr>
+          <a:xfrm>
+            <a:off x="10203483" y="3642360"/>
+            <a:ext cx="251992" cy="276999"/>
+          </a:xfrm>
+          <a:prstGeom prst="rect">
+            <a:avLst/>
+          </a:prstGeom>
+          <a:noFill/>
+        </p:spPr>
+        <p:txBody>
+          <a:bodyPr wrap="none" rtlCol="0">
+            <a:spAutoFit/>
+          </a:bodyPr>
+          <a:lstStyle/>
+          <a:p>
+            <a:pPr algn="ctr"/>
+            <a:r>
+              <a:rPr lang="hu-HU" sz="1200" dirty="0">
+                <a:solidFill>
+                  <a:srgbClr val="FF0000"/>
+                </a:solidFill>
+              </a:rPr>
+              <a:t>x</a:t>
+            </a:r>
+          </a:p>
+        </p:txBody>
+      </p:sp>
+      <p:sp>
+        <p:nvSpPr>
           <p:cNvPr id="19" name="Szövegdoboz 18">
             <a:extLst>
               <a:ext uri="{FF2B5EF4-FFF2-40B4-BE49-F238E27FC236}">
@@ -8609,7 +8694,7 @@
     </p:spTree>
     <p:extLst>
       <p:ext uri="{BB962C8B-B14F-4D97-AF65-F5344CB8AC3E}">
-        <p14:creationId xmlns:p14="http://schemas.microsoft.com/office/powerpoint/2010/main" val="3583001466"/>
+        <p14:creationId xmlns:p14="http://schemas.microsoft.com/office/powerpoint/2010/main" val="3282123317"/>
       </p:ext>
     </p:extLst>
   </p:cSld>
@@ -8824,8 +8909,8 @@
         </p:nvSpPr>
         <p:spPr>
           <a:xfrm>
-            <a:off x="3809998" y="3642360"/>
-            <a:ext cx="341760" cy="276999"/>
+            <a:off x="3826028" y="3642360"/>
+            <a:ext cx="309700" cy="276999"/>
           </a:xfrm>
           <a:prstGeom prst="rect">
             <a:avLst/>
@@ -8845,7 +8930,7 @@
                   <a:srgbClr val="FF0000"/>
                 </a:solidFill>
               </a:rPr>
-              <a:t>16</a:t>
+              <a:t>-1</a:t>
             </a:r>
           </a:p>
         </p:txBody>
@@ -9253,7 +9338,7 @@
     </p:spTree>
     <p:extLst>
       <p:ext uri="{BB962C8B-B14F-4D97-AF65-F5344CB8AC3E}">
-        <p14:creationId xmlns:p14="http://schemas.microsoft.com/office/powerpoint/2010/main" val="183335846"/>
+        <p14:creationId xmlns:p14="http://schemas.microsoft.com/office/powerpoint/2010/main" val="3583001466"/>
       </p:ext>
     </p:extLst>
   </p:cSld>
@@ -9484,7 +9569,11 @@
           <a:p>
             <a:pPr algn="ctr"/>
             <a:r>
-              <a:rPr lang="hu-HU" sz="1200" dirty="0"/>
+              <a:rPr lang="hu-HU" sz="1200" dirty="0">
+                <a:solidFill>
+                  <a:srgbClr val="FF0000"/>
+                </a:solidFill>
+              </a:rPr>
               <a:t>16</a:t>
             </a:r>
           </a:p>
@@ -9893,7 +9982,7 @@
     </p:spTree>
     <p:extLst>
       <p:ext uri="{BB962C8B-B14F-4D97-AF65-F5344CB8AC3E}">
-        <p14:creationId xmlns:p14="http://schemas.microsoft.com/office/powerpoint/2010/main" val="590620016"/>
+        <p14:creationId xmlns:p14="http://schemas.microsoft.com/office/powerpoint/2010/main" val="183335846"/>
       </p:ext>
     </p:extLst>
   </p:cSld>
@@ -10400,7 +10489,11 @@
           <a:p>
             <a:pPr algn="ctr"/>
             <a:r>
-              <a:rPr lang="hu-HU" sz="1200" dirty="0"/>
+              <a:rPr lang="hu-HU" sz="1200" dirty="0">
+                <a:solidFill>
+                  <a:srgbClr val="FF0000"/>
+                </a:solidFill>
+              </a:rPr>
               <a:t>12</a:t>
             </a:r>
           </a:p>
@@ -10529,7 +10622,7 @@
     </p:spTree>
     <p:extLst>
       <p:ext uri="{BB962C8B-B14F-4D97-AF65-F5344CB8AC3E}">
-        <p14:creationId xmlns:p14="http://schemas.microsoft.com/office/powerpoint/2010/main" val="2344016207"/>
+        <p14:creationId xmlns:p14="http://schemas.microsoft.com/office/powerpoint/2010/main" val="590620016"/>
       </p:ext>
     </p:extLst>
   </p:cSld>
@@ -11136,8 +11229,8 @@
         </p:nvSpPr>
         <p:spPr>
           <a:xfrm>
-            <a:off x="5925120" y="2234920"/>
-            <a:ext cx="341760" cy="276999"/>
+            <a:off x="5970004" y="2234920"/>
+            <a:ext cx="251992" cy="276999"/>
           </a:xfrm>
           <a:prstGeom prst="rect">
             <a:avLst/>
@@ -11157,7 +11250,7 @@
                   <a:srgbClr val="FF0000"/>
                 </a:solidFill>
               </a:rPr>
-              <a:t>12</a:t>
+              <a:t>x</a:t>
             </a:r>
           </a:p>
         </p:txBody>
@@ -11165,7 +11258,7 @@
     </p:spTree>
     <p:extLst>
       <p:ext uri="{BB962C8B-B14F-4D97-AF65-F5344CB8AC3E}">
-        <p14:creationId xmlns:p14="http://schemas.microsoft.com/office/powerpoint/2010/main" val="871542484"/>
+        <p14:creationId xmlns:p14="http://schemas.microsoft.com/office/powerpoint/2010/main" val="2344016207"/>
       </p:ext>
     </p:extLst>
   </p:cSld>
@@ -11416,47 +11509,7 @@
         </p:nvSpPr>
         <p:spPr>
           <a:xfrm>
-            <a:off x="4841691" y="3642360"/>
-            <a:ext cx="388248" cy="276999"/>
-          </a:xfrm>
-          <a:prstGeom prst="rect">
-            <a:avLst/>
-          </a:prstGeom>
-          <a:noFill/>
-        </p:spPr>
-        <p:txBody>
-          <a:bodyPr wrap="none" rtlCol="0">
-            <a:spAutoFit/>
-          </a:bodyPr>
-          <a:lstStyle/>
-          <a:p>
-            <a:pPr algn="ctr"/>
-            <a:r>
-              <a:rPr lang="hu-HU" sz="1200" dirty="0">
-                <a:solidFill>
-                  <a:srgbClr val="FF0000"/>
-                </a:solidFill>
-              </a:rPr>
-              <a:t>-19</a:t>
-            </a:r>
-          </a:p>
-        </p:txBody>
-      </p:sp>
-      <p:sp>
-        <p:nvSpPr>
-          <p:cNvPr id="14" name="Szövegdoboz 13">
-            <a:extLst>
-              <a:ext uri="{FF2B5EF4-FFF2-40B4-BE49-F238E27FC236}">
-                <a16:creationId xmlns:a16="http://schemas.microsoft.com/office/drawing/2014/main" id="{DA21B6EF-78B4-4B28-9B74-FF31DB53AA40}"/>
-              </a:ext>
-            </a:extLst>
-          </p:cNvPr>
-          <p:cNvSpPr txBox="1"/>
-          <p:nvPr/>
-        </p:nvSpPr>
-        <p:spPr>
-          <a:xfrm>
-            <a:off x="5970003" y="3642360"/>
+            <a:off x="4909819" y="3642360"/>
             <a:ext cx="251992" cy="276999"/>
           </a:xfrm>
           <a:prstGeom prst="rect">
@@ -11484,19 +11537,19 @@
       </p:sp>
       <p:sp>
         <p:nvSpPr>
-          <p:cNvPr id="15" name="Szövegdoboz 14">
-            <a:extLst>
-              <a:ext uri="{FF2B5EF4-FFF2-40B4-BE49-F238E27FC236}">
-                <a16:creationId xmlns:a16="http://schemas.microsoft.com/office/drawing/2014/main" id="{0E54AE78-791D-4091-A9FC-ABAC1440357D}"/>
-              </a:ext>
-            </a:extLst>
-          </p:cNvPr>
-          <p:cNvSpPr txBox="1"/>
-          <p:nvPr/>
-        </p:nvSpPr>
-        <p:spPr>
-          <a:xfrm>
-            <a:off x="7030187" y="3642360"/>
+          <p:cNvPr id="14" name="Szövegdoboz 13">
+            <a:extLst>
+              <a:ext uri="{FF2B5EF4-FFF2-40B4-BE49-F238E27FC236}">
+                <a16:creationId xmlns:a16="http://schemas.microsoft.com/office/drawing/2014/main" id="{DA21B6EF-78B4-4B28-9B74-FF31DB53AA40}"/>
+              </a:ext>
+            </a:extLst>
+          </p:cNvPr>
+          <p:cNvSpPr txBox="1"/>
+          <p:nvPr/>
+        </p:nvSpPr>
+        <p:spPr>
+          <a:xfrm>
+            <a:off x="5970003" y="3642360"/>
             <a:ext cx="251992" cy="276999"/>
           </a:xfrm>
           <a:prstGeom prst="rect">
@@ -11524,19 +11577,19 @@
       </p:sp>
       <p:sp>
         <p:nvSpPr>
-          <p:cNvPr id="16" name="Szövegdoboz 15">
-            <a:extLst>
-              <a:ext uri="{FF2B5EF4-FFF2-40B4-BE49-F238E27FC236}">
-                <a16:creationId xmlns:a16="http://schemas.microsoft.com/office/drawing/2014/main" id="{FDE8274C-4615-4668-9E66-542E02206DA3}"/>
-              </a:ext>
-            </a:extLst>
-          </p:cNvPr>
-          <p:cNvSpPr txBox="1"/>
-          <p:nvPr/>
-        </p:nvSpPr>
-        <p:spPr>
-          <a:xfrm>
-            <a:off x="8085125" y="3642360"/>
+          <p:cNvPr id="15" name="Szövegdoboz 14">
+            <a:extLst>
+              <a:ext uri="{FF2B5EF4-FFF2-40B4-BE49-F238E27FC236}">
+                <a16:creationId xmlns:a16="http://schemas.microsoft.com/office/drawing/2014/main" id="{0E54AE78-791D-4091-A9FC-ABAC1440357D}"/>
+              </a:ext>
+            </a:extLst>
+          </p:cNvPr>
+          <p:cNvSpPr txBox="1"/>
+          <p:nvPr/>
+        </p:nvSpPr>
+        <p:spPr>
+          <a:xfrm>
+            <a:off x="7030187" y="3642360"/>
             <a:ext cx="251992" cy="276999"/>
           </a:xfrm>
           <a:prstGeom prst="rect">
@@ -11564,19 +11617,19 @@
       </p:sp>
       <p:sp>
         <p:nvSpPr>
-          <p:cNvPr id="17" name="Szövegdoboz 16">
-            <a:extLst>
-              <a:ext uri="{FF2B5EF4-FFF2-40B4-BE49-F238E27FC236}">
-                <a16:creationId xmlns:a16="http://schemas.microsoft.com/office/drawing/2014/main" id="{C6A679CB-2B1A-4799-8657-226B3D81FC88}"/>
-              </a:ext>
-            </a:extLst>
-          </p:cNvPr>
-          <p:cNvSpPr txBox="1"/>
-          <p:nvPr/>
-        </p:nvSpPr>
-        <p:spPr>
-          <a:xfrm>
-            <a:off x="9140063" y="3642360"/>
+          <p:cNvPr id="16" name="Szövegdoboz 15">
+            <a:extLst>
+              <a:ext uri="{FF2B5EF4-FFF2-40B4-BE49-F238E27FC236}">
+                <a16:creationId xmlns:a16="http://schemas.microsoft.com/office/drawing/2014/main" id="{FDE8274C-4615-4668-9E66-542E02206DA3}"/>
+              </a:ext>
+            </a:extLst>
+          </p:cNvPr>
+          <p:cNvSpPr txBox="1"/>
+          <p:nvPr/>
+        </p:nvSpPr>
+        <p:spPr>
+          <a:xfrm>
+            <a:off x="8085125" y="3642360"/>
             <a:ext cx="251992" cy="276999"/>
           </a:xfrm>
           <a:prstGeom prst="rect">
@@ -11604,19 +11657,19 @@
       </p:sp>
       <p:sp>
         <p:nvSpPr>
-          <p:cNvPr id="18" name="Szövegdoboz 17">
-            <a:extLst>
-              <a:ext uri="{FF2B5EF4-FFF2-40B4-BE49-F238E27FC236}">
-                <a16:creationId xmlns:a16="http://schemas.microsoft.com/office/drawing/2014/main" id="{20A30439-9E74-489A-B8CB-33DA90ED0A52}"/>
-              </a:ext>
-            </a:extLst>
-          </p:cNvPr>
-          <p:cNvSpPr txBox="1"/>
-          <p:nvPr/>
-        </p:nvSpPr>
-        <p:spPr>
-          <a:xfrm>
-            <a:off x="10203483" y="3642360"/>
+          <p:cNvPr id="17" name="Szövegdoboz 16">
+            <a:extLst>
+              <a:ext uri="{FF2B5EF4-FFF2-40B4-BE49-F238E27FC236}">
+                <a16:creationId xmlns:a16="http://schemas.microsoft.com/office/drawing/2014/main" id="{C6A679CB-2B1A-4799-8657-226B3D81FC88}"/>
+              </a:ext>
+            </a:extLst>
+          </p:cNvPr>
+          <p:cNvSpPr txBox="1"/>
+          <p:nvPr/>
+        </p:nvSpPr>
+        <p:spPr>
+          <a:xfrm>
+            <a:off x="9140063" y="3642360"/>
             <a:ext cx="251992" cy="276999"/>
           </a:xfrm>
           <a:prstGeom prst="rect">
@@ -11644,55 +11697,19 @@
       </p:sp>
       <p:sp>
         <p:nvSpPr>
-          <p:cNvPr id="19" name="Szövegdoboz 18">
-            <a:extLst>
-              <a:ext uri="{FF2B5EF4-FFF2-40B4-BE49-F238E27FC236}">
-                <a16:creationId xmlns:a16="http://schemas.microsoft.com/office/drawing/2014/main" id="{216BB291-3F2D-4C43-9AB5-5101B4C4D5FC}"/>
-              </a:ext>
-            </a:extLst>
-          </p:cNvPr>
-          <p:cNvSpPr txBox="1"/>
-          <p:nvPr/>
-        </p:nvSpPr>
-        <p:spPr>
-          <a:xfrm>
-            <a:off x="2750820" y="2938641"/>
-            <a:ext cx="341760" cy="276999"/>
-          </a:xfrm>
-          <a:prstGeom prst="rect">
-            <a:avLst/>
-          </a:prstGeom>
-          <a:noFill/>
-        </p:spPr>
-        <p:txBody>
-          <a:bodyPr wrap="none" rtlCol="0">
-            <a:spAutoFit/>
-          </a:bodyPr>
-          <a:lstStyle/>
-          <a:p>
-            <a:pPr algn="ctr"/>
-            <a:r>
-              <a:rPr lang="hu-HU" sz="1200" dirty="0"/>
-              <a:t>12</a:t>
-            </a:r>
-          </a:p>
-        </p:txBody>
-      </p:sp>
-      <p:sp>
-        <p:nvSpPr>
-          <p:cNvPr id="20" name="Szövegdoboz 19">
-            <a:extLst>
-              <a:ext uri="{FF2B5EF4-FFF2-40B4-BE49-F238E27FC236}">
-                <a16:creationId xmlns:a16="http://schemas.microsoft.com/office/drawing/2014/main" id="{57F8B75B-3B3B-4DD9-B5E7-5232001998AF}"/>
-              </a:ext>
-            </a:extLst>
-          </p:cNvPr>
-          <p:cNvSpPr txBox="1"/>
-          <p:nvPr/>
-        </p:nvSpPr>
-        <p:spPr>
-          <a:xfrm>
-            <a:off x="5953974" y="2938640"/>
+          <p:cNvPr id="18" name="Szövegdoboz 17">
+            <a:extLst>
+              <a:ext uri="{FF2B5EF4-FFF2-40B4-BE49-F238E27FC236}">
+                <a16:creationId xmlns:a16="http://schemas.microsoft.com/office/drawing/2014/main" id="{20A30439-9E74-489A-B8CB-33DA90ED0A52}"/>
+              </a:ext>
+            </a:extLst>
+          </p:cNvPr>
+          <p:cNvSpPr txBox="1"/>
+          <p:nvPr/>
+        </p:nvSpPr>
+        <p:spPr>
+          <a:xfrm>
+            <a:off x="10203483" y="3642360"/>
             <a:ext cx="251992" cy="276999"/>
           </a:xfrm>
           <a:prstGeom prst="rect">
@@ -11720,19 +11737,55 @@
       </p:sp>
       <p:sp>
         <p:nvSpPr>
-          <p:cNvPr id="21" name="Szövegdoboz 20">
-            <a:extLst>
-              <a:ext uri="{FF2B5EF4-FFF2-40B4-BE49-F238E27FC236}">
-                <a16:creationId xmlns:a16="http://schemas.microsoft.com/office/drawing/2014/main" id="{9DFF6BED-415B-4CB4-8136-849D365A2659}"/>
-              </a:ext>
-            </a:extLst>
-          </p:cNvPr>
-          <p:cNvSpPr txBox="1"/>
-          <p:nvPr/>
-        </p:nvSpPr>
-        <p:spPr>
-          <a:xfrm>
-            <a:off x="9124034" y="2938639"/>
+          <p:cNvPr id="19" name="Szövegdoboz 18">
+            <a:extLst>
+              <a:ext uri="{FF2B5EF4-FFF2-40B4-BE49-F238E27FC236}">
+                <a16:creationId xmlns:a16="http://schemas.microsoft.com/office/drawing/2014/main" id="{216BB291-3F2D-4C43-9AB5-5101B4C4D5FC}"/>
+              </a:ext>
+            </a:extLst>
+          </p:cNvPr>
+          <p:cNvSpPr txBox="1"/>
+          <p:nvPr/>
+        </p:nvSpPr>
+        <p:spPr>
+          <a:xfrm>
+            <a:off x="2750820" y="2938641"/>
+            <a:ext cx="341760" cy="276999"/>
+          </a:xfrm>
+          <a:prstGeom prst="rect">
+            <a:avLst/>
+          </a:prstGeom>
+          <a:noFill/>
+        </p:spPr>
+        <p:txBody>
+          <a:bodyPr wrap="none" rtlCol="0">
+            <a:spAutoFit/>
+          </a:bodyPr>
+          <a:lstStyle/>
+          <a:p>
+            <a:pPr algn="ctr"/>
+            <a:r>
+              <a:rPr lang="hu-HU" sz="1200" dirty="0"/>
+              <a:t>12</a:t>
+            </a:r>
+          </a:p>
+        </p:txBody>
+      </p:sp>
+      <p:sp>
+        <p:nvSpPr>
+          <p:cNvPr id="20" name="Szövegdoboz 19">
+            <a:extLst>
+              <a:ext uri="{FF2B5EF4-FFF2-40B4-BE49-F238E27FC236}">
+                <a16:creationId xmlns:a16="http://schemas.microsoft.com/office/drawing/2014/main" id="{57F8B75B-3B3B-4DD9-B5E7-5232001998AF}"/>
+              </a:ext>
+            </a:extLst>
+          </p:cNvPr>
+          <p:cNvSpPr txBox="1"/>
+          <p:nvPr/>
+        </p:nvSpPr>
+        <p:spPr>
+          <a:xfrm>
+            <a:off x="5953974" y="2938640"/>
             <a:ext cx="251992" cy="276999"/>
           </a:xfrm>
           <a:prstGeom prst="rect">
@@ -11760,6 +11813,46 @@
       </p:sp>
       <p:sp>
         <p:nvSpPr>
+          <p:cNvPr id="21" name="Szövegdoboz 20">
+            <a:extLst>
+              <a:ext uri="{FF2B5EF4-FFF2-40B4-BE49-F238E27FC236}">
+                <a16:creationId xmlns:a16="http://schemas.microsoft.com/office/drawing/2014/main" id="{9DFF6BED-415B-4CB4-8136-849D365A2659}"/>
+              </a:ext>
+            </a:extLst>
+          </p:cNvPr>
+          <p:cNvSpPr txBox="1"/>
+          <p:nvPr/>
+        </p:nvSpPr>
+        <p:spPr>
+          <a:xfrm>
+            <a:off x="9124034" y="2938639"/>
+            <a:ext cx="251992" cy="276999"/>
+          </a:xfrm>
+          <a:prstGeom prst="rect">
+            <a:avLst/>
+          </a:prstGeom>
+          <a:noFill/>
+        </p:spPr>
+        <p:txBody>
+          <a:bodyPr wrap="none" rtlCol="0">
+            <a:spAutoFit/>
+          </a:bodyPr>
+          <a:lstStyle/>
+          <a:p>
+            <a:pPr algn="ctr"/>
+            <a:r>
+              <a:rPr lang="hu-HU" sz="1200" dirty="0">
+                <a:solidFill>
+                  <a:srgbClr val="FF0000"/>
+                </a:solidFill>
+              </a:rPr>
+              <a:t>x</a:t>
+            </a:r>
+          </a:p>
+        </p:txBody>
+      </p:sp>
+      <p:sp>
+        <p:nvSpPr>
           <p:cNvPr id="22" name="Szövegdoboz 21">
             <a:extLst>
               <a:ext uri="{FF2B5EF4-FFF2-40B4-BE49-F238E27FC236}">
@@ -11801,7 +11894,7 @@
     </p:spTree>
     <p:extLst>
       <p:ext uri="{BB962C8B-B14F-4D97-AF65-F5344CB8AC3E}">
-        <p14:creationId xmlns:p14="http://schemas.microsoft.com/office/powerpoint/2010/main" val="581580241"/>
+        <p14:creationId xmlns:p14="http://schemas.microsoft.com/office/powerpoint/2010/main" val="871542484"/>
       </p:ext>
     </p:extLst>
   </p:cSld>
@@ -12073,7 +12166,7 @@
                   <a:srgbClr val="FF0000"/>
                 </a:solidFill>
               </a:rPr>
-              <a:t>-18</a:t>
+              <a:t>-19</a:t>
             </a:r>
           </a:p>
         </p:txBody>
@@ -12437,7 +12530,7 @@
     </p:spTree>
     <p:extLst>
       <p:ext uri="{BB962C8B-B14F-4D97-AF65-F5344CB8AC3E}">
-        <p14:creationId xmlns:p14="http://schemas.microsoft.com/office/powerpoint/2010/main" val="1784979569"/>
+        <p14:creationId xmlns:p14="http://schemas.microsoft.com/office/powerpoint/2010/main" val="581580241"/>
       </p:ext>
     </p:extLst>
   </p:cSld>
@@ -12688,8 +12781,8 @@
         </p:nvSpPr>
         <p:spPr>
           <a:xfrm>
-            <a:off x="4904207" y="3642360"/>
-            <a:ext cx="263214" cy="276999"/>
+            <a:off x="4841691" y="3642360"/>
+            <a:ext cx="388248" cy="276999"/>
           </a:xfrm>
           <a:prstGeom prst="rect">
             <a:avLst/>
@@ -12709,7 +12802,7 @@
                   <a:srgbClr val="FF0000"/>
                 </a:solidFill>
               </a:rPr>
-              <a:t>4</a:t>
+              <a:t>-18</a:t>
             </a:r>
           </a:p>
         </p:txBody>
@@ -13073,7 +13166,7 @@
     </p:spTree>
     <p:extLst>
       <p:ext uri="{BB962C8B-B14F-4D97-AF65-F5344CB8AC3E}">
-        <p14:creationId xmlns:p14="http://schemas.microsoft.com/office/powerpoint/2010/main" val="1827484177"/>
+        <p14:creationId xmlns:p14="http://schemas.microsoft.com/office/powerpoint/2010/main" val="1784979569"/>
       </p:ext>
     </p:extLst>
   </p:cSld>
@@ -13340,7 +13433,11 @@
           <a:p>
             <a:pPr algn="ctr"/>
             <a:r>
-              <a:rPr lang="hu-HU" sz="1200" dirty="0"/>
+              <a:rPr lang="hu-HU" sz="1200" dirty="0">
+                <a:solidFill>
+                  <a:srgbClr val="FF0000"/>
+                </a:solidFill>
+              </a:rPr>
               <a:t>4</a:t>
             </a:r>
           </a:p>
@@ -13705,7 +13802,7 @@
     </p:spTree>
     <p:extLst>
       <p:ext uri="{BB962C8B-B14F-4D97-AF65-F5344CB8AC3E}">
-        <p14:creationId xmlns:p14="http://schemas.microsoft.com/office/powerpoint/2010/main" val="1996957381"/>
+        <p14:creationId xmlns:p14="http://schemas.microsoft.com/office/powerpoint/2010/main" val="1827484177"/>
       </p:ext>
     </p:extLst>
   </p:cSld>
@@ -14228,47 +14325,7 @@
         </p:nvSpPr>
         <p:spPr>
           <a:xfrm>
-            <a:off x="5948363" y="2938640"/>
-            <a:ext cx="263214" cy="276999"/>
-          </a:xfrm>
-          <a:prstGeom prst="rect">
-            <a:avLst/>
-          </a:prstGeom>
-          <a:noFill/>
-        </p:spPr>
-        <p:txBody>
-          <a:bodyPr wrap="none" rtlCol="0">
-            <a:spAutoFit/>
-          </a:bodyPr>
-          <a:lstStyle/>
-          <a:p>
-            <a:pPr algn="ctr"/>
-            <a:r>
-              <a:rPr lang="hu-HU" sz="1200" dirty="0">
-                <a:solidFill>
-                  <a:srgbClr val="FF0000"/>
-                </a:solidFill>
-              </a:rPr>
-              <a:t>4</a:t>
-            </a:r>
-          </a:p>
-        </p:txBody>
-      </p:sp>
-      <p:sp>
-        <p:nvSpPr>
-          <p:cNvPr id="21" name="Szövegdoboz 20">
-            <a:extLst>
-              <a:ext uri="{FF2B5EF4-FFF2-40B4-BE49-F238E27FC236}">
-                <a16:creationId xmlns:a16="http://schemas.microsoft.com/office/drawing/2014/main" id="{9DFF6BED-415B-4CB4-8136-849D365A2659}"/>
-              </a:ext>
-            </a:extLst>
-          </p:cNvPr>
-          <p:cNvSpPr txBox="1"/>
-          <p:nvPr/>
-        </p:nvSpPr>
-        <p:spPr>
-          <a:xfrm>
-            <a:off x="9124034" y="2938639"/>
+            <a:off x="5953974" y="2938640"/>
             <a:ext cx="251992" cy="276999"/>
           </a:xfrm>
           <a:prstGeom prst="rect">
@@ -14296,6 +14353,46 @@
       </p:sp>
       <p:sp>
         <p:nvSpPr>
+          <p:cNvPr id="21" name="Szövegdoboz 20">
+            <a:extLst>
+              <a:ext uri="{FF2B5EF4-FFF2-40B4-BE49-F238E27FC236}">
+                <a16:creationId xmlns:a16="http://schemas.microsoft.com/office/drawing/2014/main" id="{9DFF6BED-415B-4CB4-8136-849D365A2659}"/>
+              </a:ext>
+            </a:extLst>
+          </p:cNvPr>
+          <p:cNvSpPr txBox="1"/>
+          <p:nvPr/>
+        </p:nvSpPr>
+        <p:spPr>
+          <a:xfrm>
+            <a:off x="9124034" y="2938639"/>
+            <a:ext cx="251992" cy="276999"/>
+          </a:xfrm>
+          <a:prstGeom prst="rect">
+            <a:avLst/>
+          </a:prstGeom>
+          <a:noFill/>
+        </p:spPr>
+        <p:txBody>
+          <a:bodyPr wrap="none" rtlCol="0">
+            <a:spAutoFit/>
+          </a:bodyPr>
+          <a:lstStyle/>
+          <a:p>
+            <a:pPr algn="ctr"/>
+            <a:r>
+              <a:rPr lang="hu-HU" sz="1200" dirty="0">
+                <a:solidFill>
+                  <a:srgbClr val="FF0000"/>
+                </a:solidFill>
+              </a:rPr>
+              <a:t>x</a:t>
+            </a:r>
+          </a:p>
+        </p:txBody>
+      </p:sp>
+      <p:sp>
+        <p:nvSpPr>
           <p:cNvPr id="22" name="Szövegdoboz 21">
             <a:extLst>
               <a:ext uri="{FF2B5EF4-FFF2-40B4-BE49-F238E27FC236}">
@@ -14337,7 +14434,7 @@
     </p:spTree>
     <p:extLst>
       <p:ext uri="{BB962C8B-B14F-4D97-AF65-F5344CB8AC3E}">
-        <p14:creationId xmlns:p14="http://schemas.microsoft.com/office/powerpoint/2010/main" val="4221656707"/>
+        <p14:creationId xmlns:p14="http://schemas.microsoft.com/office/powerpoint/2010/main" val="1996957381"/>
       </p:ext>
     </p:extLst>
   </p:cSld>
@@ -14846,47 +14943,7 @@
         </p:nvSpPr>
         <p:spPr>
           <a:xfrm>
-            <a:off x="5941149" y="3642360"/>
-            <a:ext cx="309700" cy="276999"/>
-          </a:xfrm>
-          <a:prstGeom prst="rect">
-            <a:avLst/>
-          </a:prstGeom>
-          <a:noFill/>
-        </p:spPr>
-        <p:txBody>
-          <a:bodyPr wrap="none" rtlCol="0">
-            <a:spAutoFit/>
-          </a:bodyPr>
-          <a:lstStyle/>
-          <a:p>
-            <a:pPr algn="ctr"/>
-            <a:r>
-              <a:rPr lang="hu-HU" sz="1200" dirty="0">
-                <a:solidFill>
-                  <a:srgbClr val="FF0000"/>
-                </a:solidFill>
-              </a:rPr>
-              <a:t>-4</a:t>
-            </a:r>
-          </a:p>
-        </p:txBody>
-      </p:sp>
-      <p:sp>
-        <p:nvSpPr>
-          <p:cNvPr id="15" name="Szövegdoboz 14">
-            <a:extLst>
-              <a:ext uri="{FF2B5EF4-FFF2-40B4-BE49-F238E27FC236}">
-                <a16:creationId xmlns:a16="http://schemas.microsoft.com/office/drawing/2014/main" id="{0E54AE78-791D-4091-A9FC-ABAC1440357D}"/>
-              </a:ext>
-            </a:extLst>
-          </p:cNvPr>
-          <p:cNvSpPr txBox="1"/>
-          <p:nvPr/>
-        </p:nvSpPr>
-        <p:spPr>
-          <a:xfrm>
-            <a:off x="7030187" y="3642360"/>
+            <a:off x="5970003" y="3642360"/>
             <a:ext cx="251992" cy="276999"/>
           </a:xfrm>
           <a:prstGeom prst="rect">
@@ -14914,19 +14971,19 @@
       </p:sp>
       <p:sp>
         <p:nvSpPr>
-          <p:cNvPr id="16" name="Szövegdoboz 15">
-            <a:extLst>
-              <a:ext uri="{FF2B5EF4-FFF2-40B4-BE49-F238E27FC236}">
-                <a16:creationId xmlns:a16="http://schemas.microsoft.com/office/drawing/2014/main" id="{FDE8274C-4615-4668-9E66-542E02206DA3}"/>
-              </a:ext>
-            </a:extLst>
-          </p:cNvPr>
-          <p:cNvSpPr txBox="1"/>
-          <p:nvPr/>
-        </p:nvSpPr>
-        <p:spPr>
-          <a:xfrm>
-            <a:off x="8085125" y="3642360"/>
+          <p:cNvPr id="15" name="Szövegdoboz 14">
+            <a:extLst>
+              <a:ext uri="{FF2B5EF4-FFF2-40B4-BE49-F238E27FC236}">
+                <a16:creationId xmlns:a16="http://schemas.microsoft.com/office/drawing/2014/main" id="{0E54AE78-791D-4091-A9FC-ABAC1440357D}"/>
+              </a:ext>
+            </a:extLst>
+          </p:cNvPr>
+          <p:cNvSpPr txBox="1"/>
+          <p:nvPr/>
+        </p:nvSpPr>
+        <p:spPr>
+          <a:xfrm>
+            <a:off x="7030187" y="3642360"/>
             <a:ext cx="251992" cy="276999"/>
           </a:xfrm>
           <a:prstGeom prst="rect">
@@ -14954,19 +15011,19 @@
       </p:sp>
       <p:sp>
         <p:nvSpPr>
-          <p:cNvPr id="17" name="Szövegdoboz 16">
-            <a:extLst>
-              <a:ext uri="{FF2B5EF4-FFF2-40B4-BE49-F238E27FC236}">
-                <a16:creationId xmlns:a16="http://schemas.microsoft.com/office/drawing/2014/main" id="{C6A679CB-2B1A-4799-8657-226B3D81FC88}"/>
-              </a:ext>
-            </a:extLst>
-          </p:cNvPr>
-          <p:cNvSpPr txBox="1"/>
-          <p:nvPr/>
-        </p:nvSpPr>
-        <p:spPr>
-          <a:xfrm>
-            <a:off x="9140063" y="3642360"/>
+          <p:cNvPr id="16" name="Szövegdoboz 15">
+            <a:extLst>
+              <a:ext uri="{FF2B5EF4-FFF2-40B4-BE49-F238E27FC236}">
+                <a16:creationId xmlns:a16="http://schemas.microsoft.com/office/drawing/2014/main" id="{FDE8274C-4615-4668-9E66-542E02206DA3}"/>
+              </a:ext>
+            </a:extLst>
+          </p:cNvPr>
+          <p:cNvSpPr txBox="1"/>
+          <p:nvPr/>
+        </p:nvSpPr>
+        <p:spPr>
+          <a:xfrm>
+            <a:off x="8085125" y="3642360"/>
             <a:ext cx="251992" cy="276999"/>
           </a:xfrm>
           <a:prstGeom prst="rect">
@@ -14994,19 +15051,19 @@
       </p:sp>
       <p:sp>
         <p:nvSpPr>
-          <p:cNvPr id="18" name="Szövegdoboz 17">
-            <a:extLst>
-              <a:ext uri="{FF2B5EF4-FFF2-40B4-BE49-F238E27FC236}">
-                <a16:creationId xmlns:a16="http://schemas.microsoft.com/office/drawing/2014/main" id="{20A30439-9E74-489A-B8CB-33DA90ED0A52}"/>
-              </a:ext>
-            </a:extLst>
-          </p:cNvPr>
-          <p:cNvSpPr txBox="1"/>
-          <p:nvPr/>
-        </p:nvSpPr>
-        <p:spPr>
-          <a:xfrm>
-            <a:off x="10203483" y="3642360"/>
+          <p:cNvPr id="17" name="Szövegdoboz 16">
+            <a:extLst>
+              <a:ext uri="{FF2B5EF4-FFF2-40B4-BE49-F238E27FC236}">
+                <a16:creationId xmlns:a16="http://schemas.microsoft.com/office/drawing/2014/main" id="{C6A679CB-2B1A-4799-8657-226B3D81FC88}"/>
+              </a:ext>
+            </a:extLst>
+          </p:cNvPr>
+          <p:cNvSpPr txBox="1"/>
+          <p:nvPr/>
+        </p:nvSpPr>
+        <p:spPr>
+          <a:xfrm>
+            <a:off x="9140063" y="3642360"/>
             <a:ext cx="251992" cy="276999"/>
           </a:xfrm>
           <a:prstGeom prst="rect">
@@ -15034,6 +15091,46 @@
       </p:sp>
       <p:sp>
         <p:nvSpPr>
+          <p:cNvPr id="18" name="Szövegdoboz 17">
+            <a:extLst>
+              <a:ext uri="{FF2B5EF4-FFF2-40B4-BE49-F238E27FC236}">
+                <a16:creationId xmlns:a16="http://schemas.microsoft.com/office/drawing/2014/main" id="{20A30439-9E74-489A-B8CB-33DA90ED0A52}"/>
+              </a:ext>
+            </a:extLst>
+          </p:cNvPr>
+          <p:cNvSpPr txBox="1"/>
+          <p:nvPr/>
+        </p:nvSpPr>
+        <p:spPr>
+          <a:xfrm>
+            <a:off x="10203483" y="3642360"/>
+            <a:ext cx="251992" cy="276999"/>
+          </a:xfrm>
+          <a:prstGeom prst="rect">
+            <a:avLst/>
+          </a:prstGeom>
+          <a:noFill/>
+        </p:spPr>
+        <p:txBody>
+          <a:bodyPr wrap="none" rtlCol="0">
+            <a:spAutoFit/>
+          </a:bodyPr>
+          <a:lstStyle/>
+          <a:p>
+            <a:pPr algn="ctr"/>
+            <a:r>
+              <a:rPr lang="hu-HU" sz="1200" dirty="0">
+                <a:solidFill>
+                  <a:srgbClr val="FF0000"/>
+                </a:solidFill>
+              </a:rPr>
+              <a:t>x</a:t>
+            </a:r>
+          </a:p>
+        </p:txBody>
+      </p:sp>
+      <p:sp>
+        <p:nvSpPr>
           <p:cNvPr id="19" name="Szövegdoboz 18">
             <a:extLst>
               <a:ext uri="{FF2B5EF4-FFF2-40B4-BE49-F238E27FC236}">
@@ -15191,7 +15288,7 @@
     </p:spTree>
     <p:extLst>
       <p:ext uri="{BB962C8B-B14F-4D97-AF65-F5344CB8AC3E}">
-        <p14:creationId xmlns:p14="http://schemas.microsoft.com/office/powerpoint/2010/main" val="2379568448"/>
+        <p14:creationId xmlns:p14="http://schemas.microsoft.com/office/powerpoint/2010/main" val="4221656707"/>
       </p:ext>
     </p:extLst>
   </p:cSld>
@@ -15494,7 +15591,11 @@
           <a:p>
             <a:pPr algn="ctr"/>
             <a:r>
-              <a:rPr lang="hu-HU" sz="1200" dirty="0"/>
+              <a:rPr lang="hu-HU" sz="1200" dirty="0">
+                <a:solidFill>
+                  <a:srgbClr val="FF0000"/>
+                </a:solidFill>
+              </a:rPr>
               <a:t>-4</a:t>
             </a:r>
           </a:p>
@@ -15819,7 +15920,7 @@
     </p:spTree>
     <p:extLst>
       <p:ext uri="{BB962C8B-B14F-4D97-AF65-F5344CB8AC3E}">
-        <p14:creationId xmlns:p14="http://schemas.microsoft.com/office/powerpoint/2010/main" val="2365964266"/>
+        <p14:creationId xmlns:p14="http://schemas.microsoft.com/office/powerpoint/2010/main" val="2379568448"/>
       </p:ext>
     </p:extLst>
   </p:cSld>
@@ -16338,8 +16439,8 @@
         </p:nvSpPr>
         <p:spPr>
           <a:xfrm>
-            <a:off x="5925120" y="2938640"/>
-            <a:ext cx="309700" cy="276999"/>
+            <a:off x="5948363" y="2938640"/>
+            <a:ext cx="263214" cy="276999"/>
           </a:xfrm>
           <a:prstGeom prst="rect">
             <a:avLst/>
@@ -16359,7 +16460,7 @@
                   <a:srgbClr val="FF0000"/>
                 </a:solidFill>
               </a:rPr>
-              <a:t>-4</a:t>
+              <a:t>4</a:t>
             </a:r>
           </a:p>
         </p:txBody>
@@ -16447,7 +16548,7 @@
     </p:spTree>
     <p:extLst>
       <p:ext uri="{BB962C8B-B14F-4D97-AF65-F5344CB8AC3E}">
-        <p14:creationId xmlns:p14="http://schemas.microsoft.com/office/powerpoint/2010/main" val="138387564"/>
+        <p14:creationId xmlns:p14="http://schemas.microsoft.com/office/powerpoint/2010/main" val="2365964266"/>
       </p:ext>
     </p:extLst>
   </p:cSld>
@@ -16770,47 +16871,7 @@
         </p:nvSpPr>
         <p:spPr>
           <a:xfrm>
-            <a:off x="6962059" y="3642360"/>
-            <a:ext cx="388248" cy="276999"/>
-          </a:xfrm>
-          <a:prstGeom prst="rect">
-            <a:avLst/>
-          </a:prstGeom>
-          <a:noFill/>
-        </p:spPr>
-        <p:txBody>
-          <a:bodyPr wrap="none" rtlCol="0">
-            <a:spAutoFit/>
-          </a:bodyPr>
-          <a:lstStyle/>
-          <a:p>
-            <a:pPr algn="ctr"/>
-            <a:r>
-              <a:rPr lang="hu-HU" sz="1200" dirty="0">
-                <a:solidFill>
-                  <a:srgbClr val="FF0000"/>
-                </a:solidFill>
-              </a:rPr>
-              <a:t>-18</a:t>
-            </a:r>
-          </a:p>
-        </p:txBody>
-      </p:sp>
-      <p:sp>
-        <p:nvSpPr>
-          <p:cNvPr id="16" name="Szövegdoboz 15">
-            <a:extLst>
-              <a:ext uri="{FF2B5EF4-FFF2-40B4-BE49-F238E27FC236}">
-                <a16:creationId xmlns:a16="http://schemas.microsoft.com/office/drawing/2014/main" id="{FDE8274C-4615-4668-9E66-542E02206DA3}"/>
-              </a:ext>
-            </a:extLst>
-          </p:cNvPr>
-          <p:cNvSpPr txBox="1"/>
-          <p:nvPr/>
-        </p:nvSpPr>
-        <p:spPr>
-          <a:xfrm>
-            <a:off x="8085125" y="3642360"/>
+            <a:off x="7030187" y="3642360"/>
             <a:ext cx="251992" cy="276999"/>
           </a:xfrm>
           <a:prstGeom prst="rect">
@@ -16838,19 +16899,19 @@
       </p:sp>
       <p:sp>
         <p:nvSpPr>
-          <p:cNvPr id="17" name="Szövegdoboz 16">
-            <a:extLst>
-              <a:ext uri="{FF2B5EF4-FFF2-40B4-BE49-F238E27FC236}">
-                <a16:creationId xmlns:a16="http://schemas.microsoft.com/office/drawing/2014/main" id="{C6A679CB-2B1A-4799-8657-226B3D81FC88}"/>
-              </a:ext>
-            </a:extLst>
-          </p:cNvPr>
-          <p:cNvSpPr txBox="1"/>
-          <p:nvPr/>
-        </p:nvSpPr>
-        <p:spPr>
-          <a:xfrm>
-            <a:off x="9140063" y="3642360"/>
+          <p:cNvPr id="16" name="Szövegdoboz 15">
+            <a:extLst>
+              <a:ext uri="{FF2B5EF4-FFF2-40B4-BE49-F238E27FC236}">
+                <a16:creationId xmlns:a16="http://schemas.microsoft.com/office/drawing/2014/main" id="{FDE8274C-4615-4668-9E66-542E02206DA3}"/>
+              </a:ext>
+            </a:extLst>
+          </p:cNvPr>
+          <p:cNvSpPr txBox="1"/>
+          <p:nvPr/>
+        </p:nvSpPr>
+        <p:spPr>
+          <a:xfrm>
+            <a:off x="8085125" y="3642360"/>
             <a:ext cx="251992" cy="276999"/>
           </a:xfrm>
           <a:prstGeom prst="rect">
@@ -16878,19 +16939,19 @@
       </p:sp>
       <p:sp>
         <p:nvSpPr>
-          <p:cNvPr id="18" name="Szövegdoboz 17">
-            <a:extLst>
-              <a:ext uri="{FF2B5EF4-FFF2-40B4-BE49-F238E27FC236}">
-                <a16:creationId xmlns:a16="http://schemas.microsoft.com/office/drawing/2014/main" id="{20A30439-9E74-489A-B8CB-33DA90ED0A52}"/>
-              </a:ext>
-            </a:extLst>
-          </p:cNvPr>
-          <p:cNvSpPr txBox="1"/>
-          <p:nvPr/>
-        </p:nvSpPr>
-        <p:spPr>
-          <a:xfrm>
-            <a:off x="10203483" y="3642360"/>
+          <p:cNvPr id="17" name="Szövegdoboz 16">
+            <a:extLst>
+              <a:ext uri="{FF2B5EF4-FFF2-40B4-BE49-F238E27FC236}">
+                <a16:creationId xmlns:a16="http://schemas.microsoft.com/office/drawing/2014/main" id="{C6A679CB-2B1A-4799-8657-226B3D81FC88}"/>
+              </a:ext>
+            </a:extLst>
+          </p:cNvPr>
+          <p:cNvSpPr txBox="1"/>
+          <p:nvPr/>
+        </p:nvSpPr>
+        <p:spPr>
+          <a:xfrm>
+            <a:off x="9140063" y="3642360"/>
             <a:ext cx="251992" cy="276999"/>
           </a:xfrm>
           <a:prstGeom prst="rect">
@@ -16918,6 +16979,46 @@
       </p:sp>
       <p:sp>
         <p:nvSpPr>
+          <p:cNvPr id="18" name="Szövegdoboz 17">
+            <a:extLst>
+              <a:ext uri="{FF2B5EF4-FFF2-40B4-BE49-F238E27FC236}">
+                <a16:creationId xmlns:a16="http://schemas.microsoft.com/office/drawing/2014/main" id="{20A30439-9E74-489A-B8CB-33DA90ED0A52}"/>
+              </a:ext>
+            </a:extLst>
+          </p:cNvPr>
+          <p:cNvSpPr txBox="1"/>
+          <p:nvPr/>
+        </p:nvSpPr>
+        <p:spPr>
+          <a:xfrm>
+            <a:off x="10203483" y="3642360"/>
+            <a:ext cx="251992" cy="276999"/>
+          </a:xfrm>
+          <a:prstGeom prst="rect">
+            <a:avLst/>
+          </a:prstGeom>
+          <a:noFill/>
+        </p:spPr>
+        <p:txBody>
+          <a:bodyPr wrap="none" rtlCol="0">
+            <a:spAutoFit/>
+          </a:bodyPr>
+          <a:lstStyle/>
+          <a:p>
+            <a:pPr algn="ctr"/>
+            <a:r>
+              <a:rPr lang="hu-HU" sz="1200" dirty="0">
+                <a:solidFill>
+                  <a:srgbClr val="FF0000"/>
+                </a:solidFill>
+              </a:rPr>
+              <a:t>x</a:t>
+            </a:r>
+          </a:p>
+        </p:txBody>
+      </p:sp>
+      <p:sp>
+        <p:nvSpPr>
           <p:cNvPr id="19" name="Szövegdoboz 18">
             <a:extLst>
               <a:ext uri="{FF2B5EF4-FFF2-40B4-BE49-F238E27FC236}">
@@ -17075,7 +17176,7 @@
     </p:spTree>
     <p:extLst>
       <p:ext uri="{BB962C8B-B14F-4D97-AF65-F5344CB8AC3E}">
-        <p14:creationId xmlns:p14="http://schemas.microsoft.com/office/powerpoint/2010/main" val="2105503662"/>
+        <p14:creationId xmlns:p14="http://schemas.microsoft.com/office/powerpoint/2010/main" val="138387564"/>
       </p:ext>
     </p:extLst>
   </p:cSld>
@@ -17398,8 +17499,8 @@
         </p:nvSpPr>
         <p:spPr>
           <a:xfrm>
-            <a:off x="6985303" y="3642360"/>
-            <a:ext cx="341760" cy="276999"/>
+            <a:off x="6962059" y="3642360"/>
+            <a:ext cx="388248" cy="276999"/>
           </a:xfrm>
           <a:prstGeom prst="rect">
             <a:avLst/>
@@ -17419,7 +17520,7 @@
                   <a:srgbClr val="FF0000"/>
                 </a:solidFill>
               </a:rPr>
-              <a:t>14</a:t>
+              <a:t>-18</a:t>
             </a:r>
           </a:p>
         </p:txBody>
@@ -17703,7 +17804,7 @@
     </p:spTree>
     <p:extLst>
       <p:ext uri="{BB962C8B-B14F-4D97-AF65-F5344CB8AC3E}">
-        <p14:creationId xmlns:p14="http://schemas.microsoft.com/office/powerpoint/2010/main" val="1538376817"/>
+        <p14:creationId xmlns:p14="http://schemas.microsoft.com/office/powerpoint/2010/main" val="2105503662"/>
       </p:ext>
     </p:extLst>
   </p:cSld>
@@ -18042,7 +18143,11 @@
           <a:p>
             <a:pPr algn="ctr"/>
             <a:r>
-              <a:rPr lang="hu-HU" sz="1200" dirty="0"/>
+              <a:rPr lang="hu-HU" sz="1200" dirty="0">
+                <a:solidFill>
+                  <a:srgbClr val="FF0000"/>
+                </a:solidFill>
+              </a:rPr>
               <a:t>14</a:t>
             </a:r>
           </a:p>
@@ -18327,7 +18432,7 @@
     </p:spTree>
     <p:extLst>
       <p:ext uri="{BB962C8B-B14F-4D97-AF65-F5344CB8AC3E}">
-        <p14:creationId xmlns:p14="http://schemas.microsoft.com/office/powerpoint/2010/main" val="3408763290"/>
+        <p14:creationId xmlns:p14="http://schemas.microsoft.com/office/powerpoint/2010/main" val="1538376817"/>
       </p:ext>
     </p:extLst>
   </p:cSld>
@@ -18858,7 +18963,11 @@
           <a:p>
             <a:pPr algn="ctr"/>
             <a:r>
-              <a:rPr lang="hu-HU" sz="1200" dirty="0"/>
+              <a:rPr lang="hu-HU" sz="1200" dirty="0">
+                <a:solidFill>
+                  <a:srgbClr val="FF0000"/>
+                </a:solidFill>
+              </a:rPr>
               <a:t>-4</a:t>
             </a:r>
           </a:p>
@@ -18947,7 +19056,7 @@
     </p:spTree>
     <p:extLst>
       <p:ext uri="{BB962C8B-B14F-4D97-AF65-F5344CB8AC3E}">
-        <p14:creationId xmlns:p14="http://schemas.microsoft.com/office/powerpoint/2010/main" val="2813553214"/>
+        <p14:creationId xmlns:p14="http://schemas.microsoft.com/office/powerpoint/2010/main" val="3408763290"/>
       </p:ext>
     </p:extLst>
   </p:cSld>
@@ -19306,47 +19415,7 @@
         </p:nvSpPr>
         <p:spPr>
           <a:xfrm>
-            <a:off x="8056271" y="3642360"/>
-            <a:ext cx="309700" cy="276999"/>
-          </a:xfrm>
-          <a:prstGeom prst="rect">
-            <a:avLst/>
-          </a:prstGeom>
-          <a:noFill/>
-        </p:spPr>
-        <p:txBody>
-          <a:bodyPr wrap="none" rtlCol="0">
-            <a:spAutoFit/>
-          </a:bodyPr>
-          <a:lstStyle/>
-          <a:p>
-            <a:pPr algn="ctr"/>
-            <a:r>
-              <a:rPr lang="hu-HU" sz="1200" dirty="0">
-                <a:solidFill>
-                  <a:srgbClr val="FF0000"/>
-                </a:solidFill>
-              </a:rPr>
-              <a:t>-1</a:t>
-            </a:r>
-          </a:p>
-        </p:txBody>
-      </p:sp>
-      <p:sp>
-        <p:nvSpPr>
-          <p:cNvPr id="17" name="Szövegdoboz 16">
-            <a:extLst>
-              <a:ext uri="{FF2B5EF4-FFF2-40B4-BE49-F238E27FC236}">
-                <a16:creationId xmlns:a16="http://schemas.microsoft.com/office/drawing/2014/main" id="{C6A679CB-2B1A-4799-8657-226B3D81FC88}"/>
-              </a:ext>
-            </a:extLst>
-          </p:cNvPr>
-          <p:cNvSpPr txBox="1"/>
-          <p:nvPr/>
-        </p:nvSpPr>
-        <p:spPr>
-          <a:xfrm>
-            <a:off x="9140063" y="3642360"/>
+            <a:off x="8085125" y="3642360"/>
             <a:ext cx="251992" cy="276999"/>
           </a:xfrm>
           <a:prstGeom prst="rect">
@@ -19374,19 +19443,19 @@
       </p:sp>
       <p:sp>
         <p:nvSpPr>
-          <p:cNvPr id="18" name="Szövegdoboz 17">
-            <a:extLst>
-              <a:ext uri="{FF2B5EF4-FFF2-40B4-BE49-F238E27FC236}">
-                <a16:creationId xmlns:a16="http://schemas.microsoft.com/office/drawing/2014/main" id="{20A30439-9E74-489A-B8CB-33DA90ED0A52}"/>
-              </a:ext>
-            </a:extLst>
-          </p:cNvPr>
-          <p:cNvSpPr txBox="1"/>
-          <p:nvPr/>
-        </p:nvSpPr>
-        <p:spPr>
-          <a:xfrm>
-            <a:off x="10203483" y="3642360"/>
+          <p:cNvPr id="17" name="Szövegdoboz 16">
+            <a:extLst>
+              <a:ext uri="{FF2B5EF4-FFF2-40B4-BE49-F238E27FC236}">
+                <a16:creationId xmlns:a16="http://schemas.microsoft.com/office/drawing/2014/main" id="{C6A679CB-2B1A-4799-8657-226B3D81FC88}"/>
+              </a:ext>
+            </a:extLst>
+          </p:cNvPr>
+          <p:cNvSpPr txBox="1"/>
+          <p:nvPr/>
+        </p:nvSpPr>
+        <p:spPr>
+          <a:xfrm>
+            <a:off x="9140063" y="3642360"/>
             <a:ext cx="251992" cy="276999"/>
           </a:xfrm>
           <a:prstGeom prst="rect">
@@ -19414,91 +19483,19 @@
       </p:sp>
       <p:sp>
         <p:nvSpPr>
-          <p:cNvPr id="19" name="Szövegdoboz 18">
-            <a:extLst>
-              <a:ext uri="{FF2B5EF4-FFF2-40B4-BE49-F238E27FC236}">
-                <a16:creationId xmlns:a16="http://schemas.microsoft.com/office/drawing/2014/main" id="{216BB291-3F2D-4C43-9AB5-5101B4C4D5FC}"/>
-              </a:ext>
-            </a:extLst>
-          </p:cNvPr>
-          <p:cNvSpPr txBox="1"/>
-          <p:nvPr/>
-        </p:nvSpPr>
-        <p:spPr>
-          <a:xfrm>
-            <a:off x="2750820" y="2938641"/>
-            <a:ext cx="341760" cy="276999"/>
-          </a:xfrm>
-          <a:prstGeom prst="rect">
-            <a:avLst/>
-          </a:prstGeom>
-          <a:noFill/>
-        </p:spPr>
-        <p:txBody>
-          <a:bodyPr wrap="none" rtlCol="0">
-            <a:spAutoFit/>
-          </a:bodyPr>
-          <a:lstStyle/>
-          <a:p>
-            <a:pPr algn="ctr"/>
-            <a:r>
-              <a:rPr lang="hu-HU" sz="1200" dirty="0"/>
-              <a:t>12</a:t>
-            </a:r>
-          </a:p>
-        </p:txBody>
-      </p:sp>
-      <p:sp>
-        <p:nvSpPr>
-          <p:cNvPr id="20" name="Szövegdoboz 19">
-            <a:extLst>
-              <a:ext uri="{FF2B5EF4-FFF2-40B4-BE49-F238E27FC236}">
-                <a16:creationId xmlns:a16="http://schemas.microsoft.com/office/drawing/2014/main" id="{57F8B75B-3B3B-4DD9-B5E7-5232001998AF}"/>
-              </a:ext>
-            </a:extLst>
-          </p:cNvPr>
-          <p:cNvSpPr txBox="1"/>
-          <p:nvPr/>
-        </p:nvSpPr>
-        <p:spPr>
-          <a:xfrm>
-            <a:off x="5925120" y="2938640"/>
-            <a:ext cx="309700" cy="276999"/>
-          </a:xfrm>
-          <a:prstGeom prst="rect">
-            <a:avLst/>
-          </a:prstGeom>
-          <a:noFill/>
-        </p:spPr>
-        <p:txBody>
-          <a:bodyPr wrap="none" rtlCol="0">
-            <a:spAutoFit/>
-          </a:bodyPr>
-          <a:lstStyle/>
-          <a:p>
-            <a:pPr algn="ctr"/>
-            <a:r>
-              <a:rPr lang="hu-HU" sz="1200" dirty="0"/>
-              <a:t>-4</a:t>
-            </a:r>
-          </a:p>
-        </p:txBody>
-      </p:sp>
-      <p:sp>
-        <p:nvSpPr>
-          <p:cNvPr id="21" name="Szövegdoboz 20">
-            <a:extLst>
-              <a:ext uri="{FF2B5EF4-FFF2-40B4-BE49-F238E27FC236}">
-                <a16:creationId xmlns:a16="http://schemas.microsoft.com/office/drawing/2014/main" id="{9DFF6BED-415B-4CB4-8136-849D365A2659}"/>
-              </a:ext>
-            </a:extLst>
-          </p:cNvPr>
-          <p:cNvSpPr txBox="1"/>
-          <p:nvPr/>
-        </p:nvSpPr>
-        <p:spPr>
-          <a:xfrm>
-            <a:off x="9124034" y="2938639"/>
+          <p:cNvPr id="18" name="Szövegdoboz 17">
+            <a:extLst>
+              <a:ext uri="{FF2B5EF4-FFF2-40B4-BE49-F238E27FC236}">
+                <a16:creationId xmlns:a16="http://schemas.microsoft.com/office/drawing/2014/main" id="{20A30439-9E74-489A-B8CB-33DA90ED0A52}"/>
+              </a:ext>
+            </a:extLst>
+          </p:cNvPr>
+          <p:cNvSpPr txBox="1"/>
+          <p:nvPr/>
+        </p:nvSpPr>
+        <p:spPr>
+          <a:xfrm>
+            <a:off x="10203483" y="3642360"/>
             <a:ext cx="251992" cy="276999"/>
           </a:xfrm>
           <a:prstGeom prst="rect">
@@ -19526,6 +19523,118 @@
       </p:sp>
       <p:sp>
         <p:nvSpPr>
+          <p:cNvPr id="19" name="Szövegdoboz 18">
+            <a:extLst>
+              <a:ext uri="{FF2B5EF4-FFF2-40B4-BE49-F238E27FC236}">
+                <a16:creationId xmlns:a16="http://schemas.microsoft.com/office/drawing/2014/main" id="{216BB291-3F2D-4C43-9AB5-5101B4C4D5FC}"/>
+              </a:ext>
+            </a:extLst>
+          </p:cNvPr>
+          <p:cNvSpPr txBox="1"/>
+          <p:nvPr/>
+        </p:nvSpPr>
+        <p:spPr>
+          <a:xfrm>
+            <a:off x="2750820" y="2938641"/>
+            <a:ext cx="341760" cy="276999"/>
+          </a:xfrm>
+          <a:prstGeom prst="rect">
+            <a:avLst/>
+          </a:prstGeom>
+          <a:noFill/>
+        </p:spPr>
+        <p:txBody>
+          <a:bodyPr wrap="none" rtlCol="0">
+            <a:spAutoFit/>
+          </a:bodyPr>
+          <a:lstStyle/>
+          <a:p>
+            <a:pPr algn="ctr"/>
+            <a:r>
+              <a:rPr lang="hu-HU" sz="1200" dirty="0"/>
+              <a:t>12</a:t>
+            </a:r>
+          </a:p>
+        </p:txBody>
+      </p:sp>
+      <p:sp>
+        <p:nvSpPr>
+          <p:cNvPr id="20" name="Szövegdoboz 19">
+            <a:extLst>
+              <a:ext uri="{FF2B5EF4-FFF2-40B4-BE49-F238E27FC236}">
+                <a16:creationId xmlns:a16="http://schemas.microsoft.com/office/drawing/2014/main" id="{57F8B75B-3B3B-4DD9-B5E7-5232001998AF}"/>
+              </a:ext>
+            </a:extLst>
+          </p:cNvPr>
+          <p:cNvSpPr txBox="1"/>
+          <p:nvPr/>
+        </p:nvSpPr>
+        <p:spPr>
+          <a:xfrm>
+            <a:off x="5925120" y="2938640"/>
+            <a:ext cx="309700" cy="276999"/>
+          </a:xfrm>
+          <a:prstGeom prst="rect">
+            <a:avLst/>
+          </a:prstGeom>
+          <a:noFill/>
+        </p:spPr>
+        <p:txBody>
+          <a:bodyPr wrap="none" rtlCol="0">
+            <a:spAutoFit/>
+          </a:bodyPr>
+          <a:lstStyle/>
+          <a:p>
+            <a:pPr algn="ctr"/>
+            <a:r>
+              <a:rPr lang="hu-HU" sz="1200" dirty="0"/>
+              <a:t>-4</a:t>
+            </a:r>
+          </a:p>
+        </p:txBody>
+      </p:sp>
+      <p:sp>
+        <p:nvSpPr>
+          <p:cNvPr id="21" name="Szövegdoboz 20">
+            <a:extLst>
+              <a:ext uri="{FF2B5EF4-FFF2-40B4-BE49-F238E27FC236}">
+                <a16:creationId xmlns:a16="http://schemas.microsoft.com/office/drawing/2014/main" id="{9DFF6BED-415B-4CB4-8136-849D365A2659}"/>
+              </a:ext>
+            </a:extLst>
+          </p:cNvPr>
+          <p:cNvSpPr txBox="1"/>
+          <p:nvPr/>
+        </p:nvSpPr>
+        <p:spPr>
+          <a:xfrm>
+            <a:off x="9124034" y="2938639"/>
+            <a:ext cx="251992" cy="276999"/>
+          </a:xfrm>
+          <a:prstGeom prst="rect">
+            <a:avLst/>
+          </a:prstGeom>
+          <a:noFill/>
+        </p:spPr>
+        <p:txBody>
+          <a:bodyPr wrap="none" rtlCol="0">
+            <a:spAutoFit/>
+          </a:bodyPr>
+          <a:lstStyle/>
+          <a:p>
+            <a:pPr algn="ctr"/>
+            <a:r>
+              <a:rPr lang="hu-HU" sz="1200" dirty="0">
+                <a:solidFill>
+                  <a:srgbClr val="FF0000"/>
+                </a:solidFill>
+              </a:rPr>
+              <a:t>x</a:t>
+            </a:r>
+          </a:p>
+        </p:txBody>
+      </p:sp>
+      <p:sp>
+        <p:nvSpPr>
           <p:cNvPr id="22" name="Szövegdoboz 21">
             <a:extLst>
               <a:ext uri="{FF2B5EF4-FFF2-40B4-BE49-F238E27FC236}">
@@ -19567,7 +19676,7 @@
     </p:spTree>
     <p:extLst>
       <p:ext uri="{BB962C8B-B14F-4D97-AF65-F5344CB8AC3E}">
-        <p14:creationId xmlns:p14="http://schemas.microsoft.com/office/powerpoint/2010/main" val="550853754"/>
+        <p14:creationId xmlns:p14="http://schemas.microsoft.com/office/powerpoint/2010/main" val="2813553214"/>
       </p:ext>
     </p:extLst>
   </p:cSld>
@@ -19926,8 +20035,8 @@
         </p:nvSpPr>
         <p:spPr>
           <a:xfrm>
-            <a:off x="8040240" y="3642360"/>
-            <a:ext cx="341760" cy="276999"/>
+            <a:off x="8056271" y="3642360"/>
+            <a:ext cx="309700" cy="276999"/>
           </a:xfrm>
           <a:prstGeom prst="rect">
             <a:avLst/>
@@ -19947,7 +20056,7 @@
                   <a:srgbClr val="FF0000"/>
                 </a:solidFill>
               </a:rPr>
-              <a:t>17</a:t>
+              <a:t>-1</a:t>
             </a:r>
           </a:p>
         </p:txBody>
@@ -20187,7 +20296,7 @@
     </p:spTree>
     <p:extLst>
       <p:ext uri="{BB962C8B-B14F-4D97-AF65-F5344CB8AC3E}">
-        <p14:creationId xmlns:p14="http://schemas.microsoft.com/office/powerpoint/2010/main" val="3316371507"/>
+        <p14:creationId xmlns:p14="http://schemas.microsoft.com/office/powerpoint/2010/main" val="550853754"/>
       </p:ext>
     </p:extLst>
   </p:cSld>
@@ -20562,7 +20671,11 @@
           <a:p>
             <a:pPr algn="ctr"/>
             <a:r>
-              <a:rPr lang="hu-HU" sz="1200" dirty="0"/>
+              <a:rPr lang="hu-HU" sz="1200" dirty="0">
+                <a:solidFill>
+                  <a:srgbClr val="FF0000"/>
+                </a:solidFill>
+              </a:rPr>
               <a:t>17</a:t>
             </a:r>
           </a:p>
@@ -20803,7 +20916,7 @@
     </p:spTree>
     <p:extLst>
       <p:ext uri="{BB962C8B-B14F-4D97-AF65-F5344CB8AC3E}">
-        <p14:creationId xmlns:p14="http://schemas.microsoft.com/office/powerpoint/2010/main" val="3650872686"/>
+        <p14:creationId xmlns:p14="http://schemas.microsoft.com/office/powerpoint/2010/main" val="3316371507"/>
       </p:ext>
     </p:extLst>
   </p:cSld>
@@ -21494,8 +21607,8 @@
         </p:nvSpPr>
         <p:spPr>
           <a:xfrm>
-            <a:off x="9079150" y="2938639"/>
-            <a:ext cx="341760" cy="276999"/>
+            <a:off x="9124034" y="2938639"/>
+            <a:ext cx="251992" cy="276999"/>
           </a:xfrm>
           <a:prstGeom prst="rect">
             <a:avLst/>
@@ -21515,7 +21628,7 @@
                   <a:srgbClr val="FF0000"/>
                 </a:solidFill>
               </a:rPr>
-              <a:t>17</a:t>
+              <a:t>x</a:t>
             </a:r>
           </a:p>
         </p:txBody>
@@ -21563,7 +21676,7 @@
     </p:spTree>
     <p:extLst>
       <p:ext uri="{BB962C8B-B14F-4D97-AF65-F5344CB8AC3E}">
-        <p14:creationId xmlns:p14="http://schemas.microsoft.com/office/powerpoint/2010/main" val="339558558"/>
+        <p14:creationId xmlns:p14="http://schemas.microsoft.com/office/powerpoint/2010/main" val="3650872686"/>
       </p:ext>
     </p:extLst>
   </p:cSld>
@@ -21958,47 +22071,7 @@
         </p:nvSpPr>
         <p:spPr>
           <a:xfrm>
-            <a:off x="9134452" y="3642360"/>
-            <a:ext cx="263214" cy="276999"/>
-          </a:xfrm>
-          <a:prstGeom prst="rect">
-            <a:avLst/>
-          </a:prstGeom>
-          <a:noFill/>
-        </p:spPr>
-        <p:txBody>
-          <a:bodyPr wrap="none" rtlCol="0">
-            <a:spAutoFit/>
-          </a:bodyPr>
-          <a:lstStyle/>
-          <a:p>
-            <a:pPr algn="ctr"/>
-            <a:r>
-              <a:rPr lang="hu-HU" sz="1200" dirty="0">
-                <a:solidFill>
-                  <a:srgbClr val="FF0000"/>
-                </a:solidFill>
-              </a:rPr>
-              <a:t>8</a:t>
-            </a:r>
-          </a:p>
-        </p:txBody>
-      </p:sp>
-      <p:sp>
-        <p:nvSpPr>
-          <p:cNvPr id="18" name="Szövegdoboz 17">
-            <a:extLst>
-              <a:ext uri="{FF2B5EF4-FFF2-40B4-BE49-F238E27FC236}">
-                <a16:creationId xmlns:a16="http://schemas.microsoft.com/office/drawing/2014/main" id="{20A30439-9E74-489A-B8CB-33DA90ED0A52}"/>
-              </a:ext>
-            </a:extLst>
-          </p:cNvPr>
-          <p:cNvSpPr txBox="1"/>
-          <p:nvPr/>
-        </p:nvSpPr>
-        <p:spPr>
-          <a:xfrm>
-            <a:off x="10203483" y="3642360"/>
+            <a:off x="9140063" y="3642360"/>
             <a:ext cx="251992" cy="276999"/>
           </a:xfrm>
           <a:prstGeom prst="rect">
@@ -22026,6 +22099,46 @@
       </p:sp>
       <p:sp>
         <p:nvSpPr>
+          <p:cNvPr id="18" name="Szövegdoboz 17">
+            <a:extLst>
+              <a:ext uri="{FF2B5EF4-FFF2-40B4-BE49-F238E27FC236}">
+                <a16:creationId xmlns:a16="http://schemas.microsoft.com/office/drawing/2014/main" id="{20A30439-9E74-489A-B8CB-33DA90ED0A52}"/>
+              </a:ext>
+            </a:extLst>
+          </p:cNvPr>
+          <p:cNvSpPr txBox="1"/>
+          <p:nvPr/>
+        </p:nvSpPr>
+        <p:spPr>
+          <a:xfrm>
+            <a:off x="10203483" y="3642360"/>
+            <a:ext cx="251992" cy="276999"/>
+          </a:xfrm>
+          <a:prstGeom prst="rect">
+            <a:avLst/>
+          </a:prstGeom>
+          <a:noFill/>
+        </p:spPr>
+        <p:txBody>
+          <a:bodyPr wrap="none" rtlCol="0">
+            <a:spAutoFit/>
+          </a:bodyPr>
+          <a:lstStyle/>
+          <a:p>
+            <a:pPr algn="ctr"/>
+            <a:r>
+              <a:rPr lang="hu-HU" sz="1200" dirty="0">
+                <a:solidFill>
+                  <a:srgbClr val="FF0000"/>
+                </a:solidFill>
+              </a:rPr>
+              <a:t>x</a:t>
+            </a:r>
+          </a:p>
+        </p:txBody>
+      </p:sp>
+      <p:sp>
+        <p:nvSpPr>
           <p:cNvPr id="19" name="Szövegdoboz 18">
             <a:extLst>
               <a:ext uri="{FF2B5EF4-FFF2-40B4-BE49-F238E27FC236}">
@@ -22179,7 +22292,7 @@
     </p:spTree>
     <p:extLst>
       <p:ext uri="{BB962C8B-B14F-4D97-AF65-F5344CB8AC3E}">
-        <p14:creationId xmlns:p14="http://schemas.microsoft.com/office/powerpoint/2010/main" val="264151689"/>
+        <p14:creationId xmlns:p14="http://schemas.microsoft.com/office/powerpoint/2010/main" val="339558558"/>
       </p:ext>
     </p:extLst>
   </p:cSld>
@@ -22590,7 +22703,11 @@
           <a:p>
             <a:pPr algn="ctr"/>
             <a:r>
-              <a:rPr lang="hu-HU" sz="1200" dirty="0"/>
+              <a:rPr lang="hu-HU" sz="1200" dirty="0">
+                <a:solidFill>
+                  <a:srgbClr val="FF0000"/>
+                </a:solidFill>
+              </a:rPr>
               <a:t>8</a:t>
             </a:r>
           </a:p>
@@ -22791,7 +22908,7 @@
     </p:spTree>
     <p:extLst>
       <p:ext uri="{BB962C8B-B14F-4D97-AF65-F5344CB8AC3E}">
-        <p14:creationId xmlns:p14="http://schemas.microsoft.com/office/powerpoint/2010/main" val="4020327562"/>
+        <p14:creationId xmlns:p14="http://schemas.microsoft.com/office/powerpoint/2010/main" val="264151689"/>
       </p:ext>
     </p:extLst>
   </p:cSld>
@@ -23334,8 +23451,8 @@
         </p:nvSpPr>
         <p:spPr>
           <a:xfrm>
-            <a:off x="9118422" y="2938639"/>
-            <a:ext cx="263214" cy="276999"/>
+            <a:off x="9079150" y="2938639"/>
+            <a:ext cx="341760" cy="276999"/>
           </a:xfrm>
           <a:prstGeom prst="rect">
             <a:avLst/>
@@ -23355,7 +23472,7 @@
                   <a:srgbClr val="FF0000"/>
                 </a:solidFill>
               </a:rPr>
-              <a:t>8</a:t>
+              <a:t>17</a:t>
             </a:r>
           </a:p>
         </p:txBody>
@@ -23403,7 +23520,7 @@
     </p:spTree>
     <p:extLst>
       <p:ext uri="{BB962C8B-B14F-4D97-AF65-F5344CB8AC3E}">
-        <p14:creationId xmlns:p14="http://schemas.microsoft.com/office/powerpoint/2010/main" val="3879248113"/>
+        <p14:creationId xmlns:p14="http://schemas.microsoft.com/office/powerpoint/2010/main" val="4020327562"/>
       </p:ext>
     </p:extLst>
   </p:cSld>
@@ -23834,8 +23951,8 @@
         </p:nvSpPr>
         <p:spPr>
           <a:xfrm>
-            <a:off x="10174629" y="3642360"/>
-            <a:ext cx="309700" cy="276999"/>
+            <a:off x="10203483" y="3642360"/>
+            <a:ext cx="251992" cy="276999"/>
           </a:xfrm>
           <a:prstGeom prst="rect">
             <a:avLst/>
@@ -23855,7 +23972,7 @@
                   <a:srgbClr val="FF0000"/>
                 </a:solidFill>
               </a:rPr>
-              <a:t>-8</a:t>
+              <a:t>x</a:t>
             </a:r>
           </a:p>
         </p:txBody>
@@ -24015,7 +24132,7 @@
     </p:spTree>
     <p:extLst>
       <p:ext uri="{BB962C8B-B14F-4D97-AF65-F5344CB8AC3E}">
-        <p14:creationId xmlns:p14="http://schemas.microsoft.com/office/powerpoint/2010/main" val="3481701852"/>
+        <p14:creationId xmlns:p14="http://schemas.microsoft.com/office/powerpoint/2010/main" val="3879248113"/>
       </p:ext>
     </p:extLst>
   </p:cSld>
@@ -24467,7 +24584,7 @@
                   <a:srgbClr val="FF0000"/>
                 </a:solidFill>
               </a:rPr>
-              <a:t>-4</a:t>
+              <a:t>-8</a:t>
             </a:r>
           </a:p>
         </p:txBody>
@@ -24627,7 +24744,7 @@
     </p:spTree>
     <p:extLst>
       <p:ext uri="{BB962C8B-B14F-4D97-AF65-F5344CB8AC3E}">
-        <p14:creationId xmlns:p14="http://schemas.microsoft.com/office/powerpoint/2010/main" val="4190816556"/>
+        <p14:creationId xmlns:p14="http://schemas.microsoft.com/office/powerpoint/2010/main" val="3481701852"/>
       </p:ext>
     </p:extLst>
   </p:cSld>
@@ -25079,7 +25196,7 @@
                   <a:srgbClr val="FF0000"/>
                 </a:solidFill>
               </a:rPr>
-              <a:t>-3</a:t>
+              <a:t>-4</a:t>
             </a:r>
           </a:p>
         </p:txBody>
@@ -25239,7 +25356,7 @@
     </p:spTree>
     <p:extLst>
       <p:ext uri="{BB962C8B-B14F-4D97-AF65-F5344CB8AC3E}">
-        <p14:creationId xmlns:p14="http://schemas.microsoft.com/office/powerpoint/2010/main" val="2460165275"/>
+        <p14:creationId xmlns:p14="http://schemas.microsoft.com/office/powerpoint/2010/main" val="4190816556"/>
       </p:ext>
     </p:extLst>
   </p:cSld>
@@ -25686,7 +25803,11 @@
           <a:p>
             <a:pPr algn="ctr"/>
             <a:r>
-              <a:rPr lang="hu-HU" sz="1200" dirty="0"/>
+              <a:rPr lang="hu-HU" sz="1200" dirty="0">
+                <a:solidFill>
+                  <a:srgbClr val="FF0000"/>
+                </a:solidFill>
+              </a:rPr>
               <a:t>-3</a:t>
             </a:r>
           </a:p>
@@ -25847,7 +25968,7 @@
     </p:spTree>
     <p:extLst>
       <p:ext uri="{BB962C8B-B14F-4D97-AF65-F5344CB8AC3E}">
-        <p14:creationId xmlns:p14="http://schemas.microsoft.com/office/powerpoint/2010/main" val="1077949438"/>
+        <p14:creationId xmlns:p14="http://schemas.microsoft.com/office/powerpoint/2010/main" val="2460165275"/>
       </p:ext>
     </p:extLst>
   </p:cSld>
@@ -26386,8 +26507,8 @@
         </p:nvSpPr>
         <p:spPr>
           <a:xfrm>
-            <a:off x="9095179" y="2938639"/>
-            <a:ext cx="309700" cy="276999"/>
+            <a:off x="9118422" y="2938639"/>
+            <a:ext cx="263214" cy="276999"/>
           </a:xfrm>
           <a:prstGeom prst="rect">
             <a:avLst/>
@@ -26407,7 +26528,7 @@
                   <a:srgbClr val="FF0000"/>
                 </a:solidFill>
               </a:rPr>
-              <a:t>-3</a:t>
+              <a:t>8</a:t>
             </a:r>
           </a:p>
         </p:txBody>
@@ -26455,7 +26576,7 @@
     </p:spTree>
     <p:extLst>
       <p:ext uri="{BB962C8B-B14F-4D97-AF65-F5344CB8AC3E}">
-        <p14:creationId xmlns:p14="http://schemas.microsoft.com/office/powerpoint/2010/main" val="143025034"/>
+        <p14:creationId xmlns:p14="http://schemas.microsoft.com/office/powerpoint/2010/main" val="1077949438"/>
       </p:ext>
     </p:extLst>
   </p:cSld>
@@ -27010,7 +27131,11 @@
           <a:p>
             <a:pPr algn="ctr"/>
             <a:r>
-              <a:rPr lang="hu-HU" sz="1200" dirty="0"/>
+              <a:rPr lang="hu-HU" sz="1200" dirty="0">
+                <a:solidFill>
+                  <a:srgbClr val="FF0000"/>
+                </a:solidFill>
+              </a:rPr>
               <a:t>-3</a:t>
             </a:r>
           </a:p>
@@ -27059,7 +27184,7 @@
     </p:spTree>
     <p:extLst>
       <p:ext uri="{BB962C8B-B14F-4D97-AF65-F5344CB8AC3E}">
-        <p14:creationId xmlns:p14="http://schemas.microsoft.com/office/powerpoint/2010/main" val="1209908421"/>
+        <p14:creationId xmlns:p14="http://schemas.microsoft.com/office/powerpoint/2010/main" val="143025034"/>
       </p:ext>
     </p:extLst>
   </p:cSld>
@@ -28302,7 +28427,11 @@
           <a:p>
             <a:pPr algn="ctr"/>
             <a:r>
-              <a:rPr lang="hu-HU" sz="1200" dirty="0"/>
+              <a:rPr lang="hu-HU" sz="1200" dirty="0">
+                <a:solidFill>
+                  <a:srgbClr val="FF0000"/>
+                </a:solidFill>
+              </a:rPr>
               <a:t>12</a:t>
             </a:r>
           </a:p>
@@ -28311,7 +28440,7 @@
     </p:spTree>
     <p:extLst>
       <p:ext uri="{BB962C8B-B14F-4D97-AF65-F5344CB8AC3E}">
-        <p14:creationId xmlns:p14="http://schemas.microsoft.com/office/powerpoint/2010/main" val="3105865848"/>
+        <p14:creationId xmlns:p14="http://schemas.microsoft.com/office/powerpoint/2010/main" val="1209908421"/>
       </p:ext>
     </p:extLst>
   </p:cSld>
@@ -28375,7 +28504,7 @@
           <a:p>
             <a:r>
               <a:rPr lang="hu-HU" sz="4400" dirty="0"/>
-              <a:t>Szimulátor</a:t>
+              <a:t>Min-Max módszer</a:t>
             </a:r>
           </a:p>
         </p:txBody>
@@ -28410,51 +28539,508 @@
           </a:prstGeom>
         </p:spPr>
       </p:pic>
-      <p:sp>
-        <p:nvSpPr>
-          <p:cNvPr id="23" name="Szövegdoboz 22">
-            <a:extLst>
-              <a:ext uri="{FF2B5EF4-FFF2-40B4-BE49-F238E27FC236}">
-                <a16:creationId xmlns:a16="http://schemas.microsoft.com/office/drawing/2014/main" id="{7B516AF1-77C3-4881-8897-BD3DBC32EAD9}"/>
-              </a:ext>
-            </a:extLst>
-          </p:cNvPr>
-          <p:cNvSpPr txBox="1"/>
-          <p:nvPr/>
-        </p:nvSpPr>
-        <p:spPr>
-          <a:xfrm>
-            <a:off x="3048000" y="3056317"/>
-            <a:ext cx="6096000" cy="646331"/>
-          </a:xfrm>
-          <a:prstGeom prst="rect">
-            <a:avLst/>
-          </a:prstGeom>
-          <a:noFill/>
-        </p:spPr>
-        <p:txBody>
-          <a:bodyPr wrap="square">
-            <a:spAutoFit/>
-          </a:bodyPr>
-          <a:lstStyle/>
-          <a:p>
-            <a:r>
-              <a:rPr lang="hu-HU" dirty="0">
-                <a:hlinkClick r:id="rId5"/>
-              </a:rPr>
-              <a:t>https://raphsilva.github.io/utilities/minimax_simulator/#</a:t>
-            </a:r>
-            <a:endParaRPr lang="hu-HU" dirty="0"/>
-          </a:p>
-          <a:p>
-            <a:endParaRPr lang="hu-HU" dirty="0"/>
+      <p:pic>
+        <p:nvPicPr>
+          <p:cNvPr id="9" name="Kép 8">
+            <a:extLst>
+              <a:ext uri="{FF2B5EF4-FFF2-40B4-BE49-F238E27FC236}">
+                <a16:creationId xmlns:a16="http://schemas.microsoft.com/office/drawing/2014/main" id="{2E67812B-918F-473F-BAF9-10233D45C887}"/>
+              </a:ext>
+            </a:extLst>
+          </p:cNvPr>
+          <p:cNvPicPr>
+            <a:picLocks noChangeAspect="1"/>
+          </p:cNvPicPr>
+          <p:nvPr/>
+        </p:nvPicPr>
+        <p:blipFill>
+          <a:blip r:embed="rId5"/>
+          <a:stretch>
+            <a:fillRect/>
+          </a:stretch>
+        </p:blipFill>
+        <p:spPr>
+          <a:xfrm>
+            <a:off x="1351888" y="1904787"/>
+            <a:ext cx="9488224" cy="3048425"/>
+          </a:xfrm>
+          <a:prstGeom prst="rect">
+            <a:avLst/>
+          </a:prstGeom>
+        </p:spPr>
+      </p:pic>
+      <p:sp>
+        <p:nvSpPr>
+          <p:cNvPr id="10" name="Szövegdoboz 9">
+            <a:extLst>
+              <a:ext uri="{FF2B5EF4-FFF2-40B4-BE49-F238E27FC236}">
+                <a16:creationId xmlns:a16="http://schemas.microsoft.com/office/drawing/2014/main" id="{FFEC17B7-890A-4F13-AE99-A432873DE97C}"/>
+              </a:ext>
+            </a:extLst>
+          </p:cNvPr>
+          <p:cNvSpPr txBox="1"/>
+          <p:nvPr/>
+        </p:nvSpPr>
+        <p:spPr>
+          <a:xfrm>
+            <a:off x="1691640" y="3642360"/>
+            <a:ext cx="341760" cy="276999"/>
+          </a:xfrm>
+          <a:prstGeom prst="rect">
+            <a:avLst/>
+          </a:prstGeom>
+          <a:noFill/>
+        </p:spPr>
+        <p:txBody>
+          <a:bodyPr wrap="none" rtlCol="0">
+            <a:spAutoFit/>
+          </a:bodyPr>
+          <a:lstStyle/>
+          <a:p>
+            <a:pPr algn="ctr"/>
+            <a:r>
+              <a:rPr lang="hu-HU" sz="1200" dirty="0"/>
+              <a:t>20</a:t>
+            </a:r>
+          </a:p>
+        </p:txBody>
+      </p:sp>
+      <p:sp>
+        <p:nvSpPr>
+          <p:cNvPr id="11" name="Szövegdoboz 10">
+            <a:extLst>
+              <a:ext uri="{FF2B5EF4-FFF2-40B4-BE49-F238E27FC236}">
+                <a16:creationId xmlns:a16="http://schemas.microsoft.com/office/drawing/2014/main" id="{8C8FE8EC-1364-49B7-A20C-E7EFECA854E2}"/>
+              </a:ext>
+            </a:extLst>
+          </p:cNvPr>
+          <p:cNvSpPr txBox="1"/>
+          <p:nvPr/>
+        </p:nvSpPr>
+        <p:spPr>
+          <a:xfrm>
+            <a:off x="2750819" y="3642360"/>
+            <a:ext cx="341760" cy="276999"/>
+          </a:xfrm>
+          <a:prstGeom prst="rect">
+            <a:avLst/>
+          </a:prstGeom>
+          <a:noFill/>
+        </p:spPr>
+        <p:txBody>
+          <a:bodyPr wrap="none" rtlCol="0">
+            <a:spAutoFit/>
+          </a:bodyPr>
+          <a:lstStyle/>
+          <a:p>
+            <a:pPr algn="ctr"/>
+            <a:r>
+              <a:rPr lang="hu-HU" sz="1200" dirty="0"/>
+              <a:t>12</a:t>
+            </a:r>
+          </a:p>
+        </p:txBody>
+      </p:sp>
+      <p:sp>
+        <p:nvSpPr>
+          <p:cNvPr id="12" name="Szövegdoboz 11">
+            <a:extLst>
+              <a:ext uri="{FF2B5EF4-FFF2-40B4-BE49-F238E27FC236}">
+                <a16:creationId xmlns:a16="http://schemas.microsoft.com/office/drawing/2014/main" id="{FD1CE59F-B504-4BC2-9CCD-5B25162FCE12}"/>
+              </a:ext>
+            </a:extLst>
+          </p:cNvPr>
+          <p:cNvSpPr txBox="1"/>
+          <p:nvPr/>
+        </p:nvSpPr>
+        <p:spPr>
+          <a:xfrm>
+            <a:off x="3809998" y="3642360"/>
+            <a:ext cx="341760" cy="276999"/>
+          </a:xfrm>
+          <a:prstGeom prst="rect">
+            <a:avLst/>
+          </a:prstGeom>
+          <a:noFill/>
+        </p:spPr>
+        <p:txBody>
+          <a:bodyPr wrap="none" rtlCol="0">
+            <a:spAutoFit/>
+          </a:bodyPr>
+          <a:lstStyle/>
+          <a:p>
+            <a:pPr algn="ctr"/>
+            <a:r>
+              <a:rPr lang="hu-HU" sz="1200" dirty="0"/>
+              <a:t>16</a:t>
+            </a:r>
+          </a:p>
+        </p:txBody>
+      </p:sp>
+      <p:sp>
+        <p:nvSpPr>
+          <p:cNvPr id="13" name="Szövegdoboz 12">
+            <a:extLst>
+              <a:ext uri="{FF2B5EF4-FFF2-40B4-BE49-F238E27FC236}">
+                <a16:creationId xmlns:a16="http://schemas.microsoft.com/office/drawing/2014/main" id="{A8D1A155-1F15-4A9C-95DA-A5428156D2D5}"/>
+              </a:ext>
+            </a:extLst>
+          </p:cNvPr>
+          <p:cNvSpPr txBox="1"/>
+          <p:nvPr/>
+        </p:nvSpPr>
+        <p:spPr>
+          <a:xfrm>
+            <a:off x="4904207" y="3642360"/>
+            <a:ext cx="263214" cy="276999"/>
+          </a:xfrm>
+          <a:prstGeom prst="rect">
+            <a:avLst/>
+          </a:prstGeom>
+          <a:noFill/>
+        </p:spPr>
+        <p:txBody>
+          <a:bodyPr wrap="none" rtlCol="0">
+            <a:spAutoFit/>
+          </a:bodyPr>
+          <a:lstStyle/>
+          <a:p>
+            <a:pPr algn="ctr"/>
+            <a:r>
+              <a:rPr lang="hu-HU" sz="1200" dirty="0"/>
+              <a:t>4</a:t>
+            </a:r>
+          </a:p>
+        </p:txBody>
+      </p:sp>
+      <p:sp>
+        <p:nvSpPr>
+          <p:cNvPr id="14" name="Szövegdoboz 13">
+            <a:extLst>
+              <a:ext uri="{FF2B5EF4-FFF2-40B4-BE49-F238E27FC236}">
+                <a16:creationId xmlns:a16="http://schemas.microsoft.com/office/drawing/2014/main" id="{DA21B6EF-78B4-4B28-9B74-FF31DB53AA40}"/>
+              </a:ext>
+            </a:extLst>
+          </p:cNvPr>
+          <p:cNvSpPr txBox="1"/>
+          <p:nvPr/>
+        </p:nvSpPr>
+        <p:spPr>
+          <a:xfrm>
+            <a:off x="5941149" y="3642360"/>
+            <a:ext cx="309700" cy="276999"/>
+          </a:xfrm>
+          <a:prstGeom prst="rect">
+            <a:avLst/>
+          </a:prstGeom>
+          <a:noFill/>
+        </p:spPr>
+        <p:txBody>
+          <a:bodyPr wrap="none" rtlCol="0">
+            <a:spAutoFit/>
+          </a:bodyPr>
+          <a:lstStyle/>
+          <a:p>
+            <a:pPr algn="ctr"/>
+            <a:r>
+              <a:rPr lang="hu-HU" sz="1200" dirty="0"/>
+              <a:t>-4</a:t>
+            </a:r>
+          </a:p>
+        </p:txBody>
+      </p:sp>
+      <p:sp>
+        <p:nvSpPr>
+          <p:cNvPr id="15" name="Szövegdoboz 14">
+            <a:extLst>
+              <a:ext uri="{FF2B5EF4-FFF2-40B4-BE49-F238E27FC236}">
+                <a16:creationId xmlns:a16="http://schemas.microsoft.com/office/drawing/2014/main" id="{0E54AE78-791D-4091-A9FC-ABAC1440357D}"/>
+              </a:ext>
+            </a:extLst>
+          </p:cNvPr>
+          <p:cNvSpPr txBox="1"/>
+          <p:nvPr/>
+        </p:nvSpPr>
+        <p:spPr>
+          <a:xfrm>
+            <a:off x="6985303" y="3642360"/>
+            <a:ext cx="341760" cy="276999"/>
+          </a:xfrm>
+          <a:prstGeom prst="rect">
+            <a:avLst/>
+          </a:prstGeom>
+          <a:noFill/>
+        </p:spPr>
+        <p:txBody>
+          <a:bodyPr wrap="none" rtlCol="0">
+            <a:spAutoFit/>
+          </a:bodyPr>
+          <a:lstStyle/>
+          <a:p>
+            <a:pPr algn="ctr"/>
+            <a:r>
+              <a:rPr lang="hu-HU" sz="1200" dirty="0"/>
+              <a:t>14</a:t>
+            </a:r>
+          </a:p>
+        </p:txBody>
+      </p:sp>
+      <p:sp>
+        <p:nvSpPr>
+          <p:cNvPr id="16" name="Szövegdoboz 15">
+            <a:extLst>
+              <a:ext uri="{FF2B5EF4-FFF2-40B4-BE49-F238E27FC236}">
+                <a16:creationId xmlns:a16="http://schemas.microsoft.com/office/drawing/2014/main" id="{FDE8274C-4615-4668-9E66-542E02206DA3}"/>
+              </a:ext>
+            </a:extLst>
+          </p:cNvPr>
+          <p:cNvSpPr txBox="1"/>
+          <p:nvPr/>
+        </p:nvSpPr>
+        <p:spPr>
+          <a:xfrm>
+            <a:off x="8040240" y="3642360"/>
+            <a:ext cx="341760" cy="276999"/>
+          </a:xfrm>
+          <a:prstGeom prst="rect">
+            <a:avLst/>
+          </a:prstGeom>
+          <a:noFill/>
+        </p:spPr>
+        <p:txBody>
+          <a:bodyPr wrap="none" rtlCol="0">
+            <a:spAutoFit/>
+          </a:bodyPr>
+          <a:lstStyle/>
+          <a:p>
+            <a:pPr algn="ctr"/>
+            <a:r>
+              <a:rPr lang="hu-HU" sz="1200" dirty="0"/>
+              <a:t>17</a:t>
+            </a:r>
+          </a:p>
+        </p:txBody>
+      </p:sp>
+      <p:sp>
+        <p:nvSpPr>
+          <p:cNvPr id="17" name="Szövegdoboz 16">
+            <a:extLst>
+              <a:ext uri="{FF2B5EF4-FFF2-40B4-BE49-F238E27FC236}">
+                <a16:creationId xmlns:a16="http://schemas.microsoft.com/office/drawing/2014/main" id="{C6A679CB-2B1A-4799-8657-226B3D81FC88}"/>
+              </a:ext>
+            </a:extLst>
+          </p:cNvPr>
+          <p:cNvSpPr txBox="1"/>
+          <p:nvPr/>
+        </p:nvSpPr>
+        <p:spPr>
+          <a:xfrm>
+            <a:off x="9134452" y="3642360"/>
+            <a:ext cx="263214" cy="276999"/>
+          </a:xfrm>
+          <a:prstGeom prst="rect">
+            <a:avLst/>
+          </a:prstGeom>
+          <a:noFill/>
+        </p:spPr>
+        <p:txBody>
+          <a:bodyPr wrap="none" rtlCol="0">
+            <a:spAutoFit/>
+          </a:bodyPr>
+          <a:lstStyle/>
+          <a:p>
+            <a:pPr algn="ctr"/>
+            <a:r>
+              <a:rPr lang="hu-HU" sz="1200" dirty="0"/>
+              <a:t>8</a:t>
+            </a:r>
+          </a:p>
+        </p:txBody>
+      </p:sp>
+      <p:sp>
+        <p:nvSpPr>
+          <p:cNvPr id="18" name="Szövegdoboz 17">
+            <a:extLst>
+              <a:ext uri="{FF2B5EF4-FFF2-40B4-BE49-F238E27FC236}">
+                <a16:creationId xmlns:a16="http://schemas.microsoft.com/office/drawing/2014/main" id="{20A30439-9E74-489A-B8CB-33DA90ED0A52}"/>
+              </a:ext>
+            </a:extLst>
+          </p:cNvPr>
+          <p:cNvSpPr txBox="1"/>
+          <p:nvPr/>
+        </p:nvSpPr>
+        <p:spPr>
+          <a:xfrm>
+            <a:off x="10174629" y="3642360"/>
+            <a:ext cx="309700" cy="276999"/>
+          </a:xfrm>
+          <a:prstGeom prst="rect">
+            <a:avLst/>
+          </a:prstGeom>
+          <a:noFill/>
+        </p:spPr>
+        <p:txBody>
+          <a:bodyPr wrap="none" rtlCol="0">
+            <a:spAutoFit/>
+          </a:bodyPr>
+          <a:lstStyle/>
+          <a:p>
+            <a:pPr algn="ctr"/>
+            <a:r>
+              <a:rPr lang="hu-HU" sz="1200" dirty="0"/>
+              <a:t>-3</a:t>
+            </a:r>
+          </a:p>
+        </p:txBody>
+      </p:sp>
+      <p:sp>
+        <p:nvSpPr>
+          <p:cNvPr id="19" name="Szövegdoboz 18">
+            <a:extLst>
+              <a:ext uri="{FF2B5EF4-FFF2-40B4-BE49-F238E27FC236}">
+                <a16:creationId xmlns:a16="http://schemas.microsoft.com/office/drawing/2014/main" id="{216BB291-3F2D-4C43-9AB5-5101B4C4D5FC}"/>
+              </a:ext>
+            </a:extLst>
+          </p:cNvPr>
+          <p:cNvSpPr txBox="1"/>
+          <p:nvPr/>
+        </p:nvSpPr>
+        <p:spPr>
+          <a:xfrm>
+            <a:off x="2750820" y="2938641"/>
+            <a:ext cx="341760" cy="276999"/>
+          </a:xfrm>
+          <a:prstGeom prst="rect">
+            <a:avLst/>
+          </a:prstGeom>
+          <a:noFill/>
+        </p:spPr>
+        <p:txBody>
+          <a:bodyPr wrap="none" rtlCol="0">
+            <a:spAutoFit/>
+          </a:bodyPr>
+          <a:lstStyle/>
+          <a:p>
+            <a:pPr algn="ctr"/>
+            <a:r>
+              <a:rPr lang="hu-HU" sz="1200" dirty="0"/>
+              <a:t>12</a:t>
+            </a:r>
+          </a:p>
+        </p:txBody>
+      </p:sp>
+      <p:sp>
+        <p:nvSpPr>
+          <p:cNvPr id="20" name="Szövegdoboz 19">
+            <a:extLst>
+              <a:ext uri="{FF2B5EF4-FFF2-40B4-BE49-F238E27FC236}">
+                <a16:creationId xmlns:a16="http://schemas.microsoft.com/office/drawing/2014/main" id="{57F8B75B-3B3B-4DD9-B5E7-5232001998AF}"/>
+              </a:ext>
+            </a:extLst>
+          </p:cNvPr>
+          <p:cNvSpPr txBox="1"/>
+          <p:nvPr/>
+        </p:nvSpPr>
+        <p:spPr>
+          <a:xfrm>
+            <a:off x="5925120" y="2938640"/>
+            <a:ext cx="309700" cy="276999"/>
+          </a:xfrm>
+          <a:prstGeom prst="rect">
+            <a:avLst/>
+          </a:prstGeom>
+          <a:noFill/>
+        </p:spPr>
+        <p:txBody>
+          <a:bodyPr wrap="none" rtlCol="0">
+            <a:spAutoFit/>
+          </a:bodyPr>
+          <a:lstStyle/>
+          <a:p>
+            <a:pPr algn="ctr"/>
+            <a:r>
+              <a:rPr lang="hu-HU" sz="1200" dirty="0"/>
+              <a:t>-4</a:t>
+            </a:r>
+          </a:p>
+        </p:txBody>
+      </p:sp>
+      <p:sp>
+        <p:nvSpPr>
+          <p:cNvPr id="21" name="Szövegdoboz 20">
+            <a:extLst>
+              <a:ext uri="{FF2B5EF4-FFF2-40B4-BE49-F238E27FC236}">
+                <a16:creationId xmlns:a16="http://schemas.microsoft.com/office/drawing/2014/main" id="{9DFF6BED-415B-4CB4-8136-849D365A2659}"/>
+              </a:ext>
+            </a:extLst>
+          </p:cNvPr>
+          <p:cNvSpPr txBox="1"/>
+          <p:nvPr/>
+        </p:nvSpPr>
+        <p:spPr>
+          <a:xfrm>
+            <a:off x="9095179" y="2938639"/>
+            <a:ext cx="309700" cy="276999"/>
+          </a:xfrm>
+          <a:prstGeom prst="rect">
+            <a:avLst/>
+          </a:prstGeom>
+          <a:noFill/>
+        </p:spPr>
+        <p:txBody>
+          <a:bodyPr wrap="none" rtlCol="0">
+            <a:spAutoFit/>
+          </a:bodyPr>
+          <a:lstStyle/>
+          <a:p>
+            <a:pPr algn="ctr"/>
+            <a:r>
+              <a:rPr lang="hu-HU" sz="1200" dirty="0"/>
+              <a:t>-3</a:t>
+            </a:r>
+          </a:p>
+        </p:txBody>
+      </p:sp>
+      <p:sp>
+        <p:nvSpPr>
+          <p:cNvPr id="22" name="Szövegdoboz 21">
+            <a:extLst>
+              <a:ext uri="{FF2B5EF4-FFF2-40B4-BE49-F238E27FC236}">
+                <a16:creationId xmlns:a16="http://schemas.microsoft.com/office/drawing/2014/main" id="{AA868227-7BFD-435C-B461-9A114BDD0FB8}"/>
+              </a:ext>
+            </a:extLst>
+          </p:cNvPr>
+          <p:cNvSpPr txBox="1"/>
+          <p:nvPr/>
+        </p:nvSpPr>
+        <p:spPr>
+          <a:xfrm>
+            <a:off x="5925120" y="2234920"/>
+            <a:ext cx="341760" cy="276999"/>
+          </a:xfrm>
+          <a:prstGeom prst="rect">
+            <a:avLst/>
+          </a:prstGeom>
+          <a:noFill/>
+        </p:spPr>
+        <p:txBody>
+          <a:bodyPr wrap="none" rtlCol="0">
+            <a:spAutoFit/>
+          </a:bodyPr>
+          <a:lstStyle/>
+          <a:p>
+            <a:pPr algn="ctr"/>
+            <a:r>
+              <a:rPr lang="hu-HU" sz="1200" dirty="0"/>
+              <a:t>12</a:t>
+            </a:r>
           </a:p>
         </p:txBody>
       </p:sp>
     </p:spTree>
     <p:extLst>
       <p:ext uri="{BB962C8B-B14F-4D97-AF65-F5344CB8AC3E}">
-        <p14:creationId xmlns:p14="http://schemas.microsoft.com/office/powerpoint/2010/main" val="995642785"/>
+        <p14:creationId xmlns:p14="http://schemas.microsoft.com/office/powerpoint/2010/main" val="3105865848"/>
       </p:ext>
     </p:extLst>
   </p:cSld>
@@ -28518,7 +29104,7 @@
           <a:p>
             <a:r>
               <a:rPr lang="hu-HU" sz="4400" dirty="0"/>
-              <a:t>Alfa-Béta vágás</a:t>
+              <a:t>Szimulátorok</a:t>
             </a:r>
           </a:p>
         </p:txBody>
@@ -28553,208 +29139,84 @@
           </a:prstGeom>
         </p:spPr>
       </p:pic>
-      <p:pic>
-        <p:nvPicPr>
-          <p:cNvPr id="5" name="Kép 4">
-            <a:extLst>
-              <a:ext uri="{FF2B5EF4-FFF2-40B4-BE49-F238E27FC236}">
-                <a16:creationId xmlns:a16="http://schemas.microsoft.com/office/drawing/2014/main" id="{EDCD1665-D9E9-4BEE-AB55-B21C09DBEAC8}"/>
-              </a:ext>
-            </a:extLst>
-          </p:cNvPr>
-          <p:cNvPicPr>
-            <a:picLocks noChangeAspect="1"/>
-          </p:cNvPicPr>
-          <p:nvPr/>
-        </p:nvPicPr>
-        <p:blipFill>
-          <a:blip r:embed="rId5"/>
-          <a:stretch>
-            <a:fillRect/>
-          </a:stretch>
-        </p:blipFill>
-        <p:spPr>
-          <a:xfrm>
-            <a:off x="2141220" y="1690688"/>
-            <a:ext cx="7909560" cy="3606560"/>
-          </a:xfrm>
-          <a:prstGeom prst="rect">
-            <a:avLst/>
-          </a:prstGeom>
-        </p:spPr>
-      </p:pic>
-      <p:sp>
-        <p:nvSpPr>
-          <p:cNvPr id="6" name="Szövegdoboz 5">
-            <a:extLst>
-              <a:ext uri="{FF2B5EF4-FFF2-40B4-BE49-F238E27FC236}">
-                <a16:creationId xmlns:a16="http://schemas.microsoft.com/office/drawing/2014/main" id="{00173FB0-0442-4394-830E-3AC85D2D7D23}"/>
-              </a:ext>
-            </a:extLst>
-          </p:cNvPr>
-          <p:cNvSpPr txBox="1"/>
-          <p:nvPr/>
-        </p:nvSpPr>
-        <p:spPr>
-          <a:xfrm>
-            <a:off x="10751820" y="1763316"/>
-            <a:ext cx="632460" cy="369332"/>
-          </a:xfrm>
-          <a:prstGeom prst="rect">
-            <a:avLst/>
-          </a:prstGeom>
-          <a:noFill/>
-        </p:spPr>
-        <p:txBody>
-          <a:bodyPr wrap="square" rtlCol="0">
-            <a:spAutoFit/>
-          </a:bodyPr>
-          <a:lstStyle/>
-          <a:p>
-            <a:r>
-              <a:rPr lang="hu-HU" dirty="0"/>
-              <a:t>MAX</a:t>
-            </a:r>
-          </a:p>
-        </p:txBody>
-      </p:sp>
-      <p:sp>
-        <p:nvSpPr>
-          <p:cNvPr id="8" name="Szövegdoboz 7">
-            <a:extLst>
-              <a:ext uri="{FF2B5EF4-FFF2-40B4-BE49-F238E27FC236}">
-                <a16:creationId xmlns:a16="http://schemas.microsoft.com/office/drawing/2014/main" id="{ED44DC92-588C-4FB8-AD0F-8EE766F59FBF}"/>
-              </a:ext>
-            </a:extLst>
-          </p:cNvPr>
-          <p:cNvSpPr txBox="1"/>
-          <p:nvPr/>
-        </p:nvSpPr>
-        <p:spPr>
-          <a:xfrm>
-            <a:off x="10763250" y="2285999"/>
-            <a:ext cx="632460" cy="369332"/>
-          </a:xfrm>
-          <a:prstGeom prst="rect">
-            <a:avLst/>
-          </a:prstGeom>
-          <a:noFill/>
-        </p:spPr>
-        <p:txBody>
-          <a:bodyPr wrap="square" rtlCol="0">
-            <a:spAutoFit/>
-          </a:bodyPr>
-          <a:lstStyle/>
-          <a:p>
-            <a:r>
-              <a:rPr lang="hu-HU" dirty="0"/>
-              <a:t>MIN</a:t>
-            </a:r>
-          </a:p>
-        </p:txBody>
-      </p:sp>
-      <p:sp>
-        <p:nvSpPr>
-          <p:cNvPr id="7" name="Háromszög 6">
-            <a:extLst>
-              <a:ext uri="{FF2B5EF4-FFF2-40B4-BE49-F238E27FC236}">
-                <a16:creationId xmlns:a16="http://schemas.microsoft.com/office/drawing/2014/main" id="{E3C2A2F6-D609-45DB-A6FC-E06FB2763822}"/>
-              </a:ext>
-            </a:extLst>
-          </p:cNvPr>
-          <p:cNvSpPr/>
-          <p:nvPr/>
-        </p:nvSpPr>
-        <p:spPr>
-          <a:xfrm>
-            <a:off x="10378440" y="1775460"/>
-            <a:ext cx="373380" cy="342900"/>
-          </a:xfrm>
-          <a:prstGeom prst="triangle">
-            <a:avLst/>
-          </a:prstGeom>
-          <a:solidFill>
-            <a:schemeClr val="bg1"/>
-          </a:solidFill>
-        </p:spPr>
-        <p:style>
-          <a:lnRef idx="2">
-            <a:schemeClr val="dk1">
-              <a:shade val="50000"/>
-            </a:schemeClr>
-          </a:lnRef>
-          <a:fillRef idx="1">
-            <a:schemeClr val="dk1"/>
-          </a:fillRef>
-          <a:effectRef idx="0">
-            <a:schemeClr val="dk1"/>
-          </a:effectRef>
-          <a:fontRef idx="minor">
-            <a:schemeClr val="lt1"/>
-          </a:fontRef>
-        </p:style>
-        <p:txBody>
-          <a:bodyPr rtlCol="0" anchor="ctr"/>
-          <a:lstStyle/>
-          <a:p>
-            <a:pPr algn="ctr"/>
-            <a:endParaRPr lang="hu-HU"/>
-          </a:p>
-        </p:txBody>
-      </p:sp>
-      <p:sp>
-        <p:nvSpPr>
-          <p:cNvPr id="10" name="Háromszög 9">
-            <a:extLst>
-              <a:ext uri="{FF2B5EF4-FFF2-40B4-BE49-F238E27FC236}">
-                <a16:creationId xmlns:a16="http://schemas.microsoft.com/office/drawing/2014/main" id="{5C2A64C9-0177-4F53-B380-622E59713EAC}"/>
-              </a:ext>
-            </a:extLst>
-          </p:cNvPr>
-          <p:cNvSpPr/>
-          <p:nvPr/>
-        </p:nvSpPr>
-        <p:spPr>
-          <a:xfrm rot="10800000">
-            <a:off x="10378440" y="2286000"/>
-            <a:ext cx="373380" cy="342900"/>
-          </a:xfrm>
-          <a:prstGeom prst="triangle">
-            <a:avLst/>
-          </a:prstGeom>
-          <a:solidFill>
-            <a:schemeClr val="bg1"/>
-          </a:solidFill>
-        </p:spPr>
-        <p:style>
-          <a:lnRef idx="2">
-            <a:schemeClr val="dk1">
-              <a:shade val="50000"/>
-            </a:schemeClr>
-          </a:lnRef>
-          <a:fillRef idx="1">
-            <a:schemeClr val="dk1"/>
-          </a:fillRef>
-          <a:effectRef idx="0">
-            <a:schemeClr val="dk1"/>
-          </a:effectRef>
-          <a:fontRef idx="minor">
-            <a:schemeClr val="lt1"/>
-          </a:fontRef>
-        </p:style>
-        <p:txBody>
-          <a:bodyPr rtlCol="0" anchor="ctr"/>
-          <a:lstStyle/>
-          <a:p>
-            <a:pPr algn="ctr"/>
-            <a:endParaRPr lang="hu-HU"/>
+      <p:sp>
+        <p:nvSpPr>
+          <p:cNvPr id="23" name="Szövegdoboz 22">
+            <a:extLst>
+              <a:ext uri="{FF2B5EF4-FFF2-40B4-BE49-F238E27FC236}">
+                <a16:creationId xmlns:a16="http://schemas.microsoft.com/office/drawing/2014/main" id="{7B516AF1-77C3-4881-8897-BD3DBC32EAD9}"/>
+              </a:ext>
+            </a:extLst>
+          </p:cNvPr>
+          <p:cNvSpPr txBox="1"/>
+          <p:nvPr/>
+        </p:nvSpPr>
+        <p:spPr>
+          <a:xfrm>
+            <a:off x="838200" y="1690688"/>
+            <a:ext cx="10058400" cy="1477328"/>
+          </a:xfrm>
+          <a:prstGeom prst="rect">
+            <a:avLst/>
+          </a:prstGeom>
+          <a:noFill/>
+        </p:spPr>
+        <p:txBody>
+          <a:bodyPr wrap="square">
+            <a:spAutoFit/>
+          </a:bodyPr>
+          <a:lstStyle/>
+          <a:p>
+            <a:pPr marL="285750" indent="-285750">
+              <a:buFont typeface="Arial" panose="020B0604020202020204" pitchFamily="34" charset="0"/>
+              <a:buChar char="•"/>
+            </a:pPr>
+            <a:r>
+              <a:rPr lang="hu-HU" dirty="0">
+                <a:hlinkClick r:id="rId5"/>
+              </a:rPr>
+              <a:t>https://raphsilva.github.io/utilities/minimax_simulator/#</a:t>
+            </a:r>
+            <a:endParaRPr lang="hu-HU" dirty="0"/>
+          </a:p>
+          <a:p>
+            <a:pPr marL="285750" indent="-285750">
+              <a:buFont typeface="Arial" panose="020B0604020202020204" pitchFamily="34" charset="0"/>
+              <a:buChar char="•"/>
+            </a:pPr>
+            <a:r>
+              <a:rPr lang="hu-HU" dirty="0">
+                <a:hlinkClick r:id="rId6"/>
+              </a:rPr>
+              <a:t>http://homepage.ufp.pt/jtorres/ensino/ia/alfabeta.html</a:t>
+            </a:r>
+            <a:endParaRPr lang="hu-HU" dirty="0"/>
+          </a:p>
+          <a:p>
+            <a:pPr marL="285750" indent="-285750">
+              <a:buFont typeface="Arial" panose="020B0604020202020204" pitchFamily="34" charset="0"/>
+              <a:buChar char="•"/>
+            </a:pPr>
+            <a:r>
+              <a:rPr lang="hu-HU">
+                <a:hlinkClick r:id="rId7"/>
+              </a:rPr>
+              <a:t>https://pascscha.ch/info2/abTreePractice/</a:t>
+            </a:r>
+            <a:endParaRPr lang="hu-HU" dirty="0"/>
+          </a:p>
+          <a:p>
+            <a:endParaRPr lang="hu-HU" dirty="0"/>
+          </a:p>
+          <a:p>
+            <a:endParaRPr lang="hu-HU" dirty="0"/>
           </a:p>
         </p:txBody>
       </p:sp>
     </p:spTree>
     <p:extLst>
       <p:ext uri="{BB962C8B-B14F-4D97-AF65-F5344CB8AC3E}">
-        <p14:creationId xmlns:p14="http://schemas.microsoft.com/office/powerpoint/2010/main" val="294171388"/>
+        <p14:creationId xmlns:p14="http://schemas.microsoft.com/office/powerpoint/2010/main" val="995642785"/>
       </p:ext>
     </p:extLst>
   </p:cSld>
@@ -28855,10 +29317,10 @@
       </p:pic>
       <p:pic>
         <p:nvPicPr>
-          <p:cNvPr id="9" name="Kép 8">
-            <a:extLst>
-              <a:ext uri="{FF2B5EF4-FFF2-40B4-BE49-F238E27FC236}">
-                <a16:creationId xmlns:a16="http://schemas.microsoft.com/office/drawing/2014/main" id="{31C235F7-2814-4C46-9B5A-0266963A7D80}"/>
+          <p:cNvPr id="5" name="Kép 4">
+            <a:extLst>
+              <a:ext uri="{FF2B5EF4-FFF2-40B4-BE49-F238E27FC236}">
+                <a16:creationId xmlns:a16="http://schemas.microsoft.com/office/drawing/2014/main" id="{EDCD1665-D9E9-4BEE-AB55-B21C09DBEAC8}"/>
               </a:ext>
             </a:extLst>
           </p:cNvPr>
@@ -28875,18 +29337,186 @@
         </p:blipFill>
         <p:spPr>
           <a:xfrm>
-            <a:off x="1356651" y="1690688"/>
-            <a:ext cx="9478698" cy="3029373"/>
+            <a:off x="2141220" y="1690688"/>
+            <a:ext cx="7909560" cy="3606560"/>
           </a:xfrm>
           <a:prstGeom prst="rect">
             <a:avLst/>
           </a:prstGeom>
         </p:spPr>
       </p:pic>
+      <p:sp>
+        <p:nvSpPr>
+          <p:cNvPr id="6" name="Szövegdoboz 5">
+            <a:extLst>
+              <a:ext uri="{FF2B5EF4-FFF2-40B4-BE49-F238E27FC236}">
+                <a16:creationId xmlns:a16="http://schemas.microsoft.com/office/drawing/2014/main" id="{00173FB0-0442-4394-830E-3AC85D2D7D23}"/>
+              </a:ext>
+            </a:extLst>
+          </p:cNvPr>
+          <p:cNvSpPr txBox="1"/>
+          <p:nvPr/>
+        </p:nvSpPr>
+        <p:spPr>
+          <a:xfrm>
+            <a:off x="10751820" y="1763316"/>
+            <a:ext cx="632460" cy="369332"/>
+          </a:xfrm>
+          <a:prstGeom prst="rect">
+            <a:avLst/>
+          </a:prstGeom>
+          <a:noFill/>
+        </p:spPr>
+        <p:txBody>
+          <a:bodyPr wrap="square" rtlCol="0">
+            <a:spAutoFit/>
+          </a:bodyPr>
+          <a:lstStyle/>
+          <a:p>
+            <a:r>
+              <a:rPr lang="hu-HU" dirty="0"/>
+              <a:t>MAX</a:t>
+            </a:r>
+          </a:p>
+        </p:txBody>
+      </p:sp>
+      <p:sp>
+        <p:nvSpPr>
+          <p:cNvPr id="8" name="Szövegdoboz 7">
+            <a:extLst>
+              <a:ext uri="{FF2B5EF4-FFF2-40B4-BE49-F238E27FC236}">
+                <a16:creationId xmlns:a16="http://schemas.microsoft.com/office/drawing/2014/main" id="{ED44DC92-588C-4FB8-AD0F-8EE766F59FBF}"/>
+              </a:ext>
+            </a:extLst>
+          </p:cNvPr>
+          <p:cNvSpPr txBox="1"/>
+          <p:nvPr/>
+        </p:nvSpPr>
+        <p:spPr>
+          <a:xfrm>
+            <a:off x="10763250" y="2285999"/>
+            <a:ext cx="632460" cy="369332"/>
+          </a:xfrm>
+          <a:prstGeom prst="rect">
+            <a:avLst/>
+          </a:prstGeom>
+          <a:noFill/>
+        </p:spPr>
+        <p:txBody>
+          <a:bodyPr wrap="square" rtlCol="0">
+            <a:spAutoFit/>
+          </a:bodyPr>
+          <a:lstStyle/>
+          <a:p>
+            <a:r>
+              <a:rPr lang="hu-HU" dirty="0"/>
+              <a:t>MIN</a:t>
+            </a:r>
+          </a:p>
+        </p:txBody>
+      </p:sp>
+      <p:sp>
+        <p:nvSpPr>
+          <p:cNvPr id="7" name="Háromszög 6">
+            <a:extLst>
+              <a:ext uri="{FF2B5EF4-FFF2-40B4-BE49-F238E27FC236}">
+                <a16:creationId xmlns:a16="http://schemas.microsoft.com/office/drawing/2014/main" id="{E3C2A2F6-D609-45DB-A6FC-E06FB2763822}"/>
+              </a:ext>
+            </a:extLst>
+          </p:cNvPr>
+          <p:cNvSpPr/>
+          <p:nvPr/>
+        </p:nvSpPr>
+        <p:spPr>
+          <a:xfrm>
+            <a:off x="10378440" y="1775460"/>
+            <a:ext cx="373380" cy="342900"/>
+          </a:xfrm>
+          <a:prstGeom prst="triangle">
+            <a:avLst/>
+          </a:prstGeom>
+          <a:solidFill>
+            <a:schemeClr val="bg1"/>
+          </a:solidFill>
+        </p:spPr>
+        <p:style>
+          <a:lnRef idx="2">
+            <a:schemeClr val="dk1">
+              <a:shade val="50000"/>
+            </a:schemeClr>
+          </a:lnRef>
+          <a:fillRef idx="1">
+            <a:schemeClr val="dk1"/>
+          </a:fillRef>
+          <a:effectRef idx="0">
+            <a:schemeClr val="dk1"/>
+          </a:effectRef>
+          <a:fontRef idx="minor">
+            <a:schemeClr val="lt1"/>
+          </a:fontRef>
+        </p:style>
+        <p:txBody>
+          <a:bodyPr rtlCol="0" anchor="ctr"/>
+          <a:lstStyle/>
+          <a:p>
+            <a:pPr algn="ctr"/>
+            <a:endParaRPr lang="hu-HU"/>
+          </a:p>
+        </p:txBody>
+      </p:sp>
+      <p:sp>
+        <p:nvSpPr>
+          <p:cNvPr id="10" name="Háromszög 9">
+            <a:extLst>
+              <a:ext uri="{FF2B5EF4-FFF2-40B4-BE49-F238E27FC236}">
+                <a16:creationId xmlns:a16="http://schemas.microsoft.com/office/drawing/2014/main" id="{5C2A64C9-0177-4F53-B380-622E59713EAC}"/>
+              </a:ext>
+            </a:extLst>
+          </p:cNvPr>
+          <p:cNvSpPr/>
+          <p:nvPr/>
+        </p:nvSpPr>
+        <p:spPr>
+          <a:xfrm rot="10800000">
+            <a:off x="10378440" y="2286000"/>
+            <a:ext cx="373380" cy="342900"/>
+          </a:xfrm>
+          <a:prstGeom prst="triangle">
+            <a:avLst/>
+          </a:prstGeom>
+          <a:solidFill>
+            <a:schemeClr val="bg1"/>
+          </a:solidFill>
+        </p:spPr>
+        <p:style>
+          <a:lnRef idx="2">
+            <a:schemeClr val="dk1">
+              <a:shade val="50000"/>
+            </a:schemeClr>
+          </a:lnRef>
+          <a:fillRef idx="1">
+            <a:schemeClr val="dk1"/>
+          </a:fillRef>
+          <a:effectRef idx="0">
+            <a:schemeClr val="dk1"/>
+          </a:effectRef>
+          <a:fontRef idx="minor">
+            <a:schemeClr val="lt1"/>
+          </a:fontRef>
+        </p:style>
+        <p:txBody>
+          <a:bodyPr rtlCol="0" anchor="ctr"/>
+          <a:lstStyle/>
+          <a:p>
+            <a:pPr algn="ctr"/>
+            <a:endParaRPr lang="hu-HU"/>
+          </a:p>
+        </p:txBody>
+      </p:sp>
     </p:spTree>
     <p:extLst>
       <p:ext uri="{BB962C8B-B14F-4D97-AF65-F5344CB8AC3E}">
-        <p14:creationId xmlns:p14="http://schemas.microsoft.com/office/powerpoint/2010/main" val="107302286"/>
+        <p14:creationId xmlns:p14="http://schemas.microsoft.com/office/powerpoint/2010/main" val="294171388"/>
       </p:ext>
     </p:extLst>
   </p:cSld>
@@ -28950,6 +29580,138 @@
           <a:p>
             <a:r>
               <a:rPr lang="hu-HU" sz="4400" dirty="0"/>
+              <a:t>Alfa-Béta vágás</a:t>
+            </a:r>
+          </a:p>
+        </p:txBody>
+      </p:sp>
+      <p:pic>
+        <p:nvPicPr>
+          <p:cNvPr id="4" name="Kép 3"/>
+          <p:cNvPicPr>
+            <a:picLocks noChangeAspect="1"/>
+          </p:cNvPicPr>
+          <p:nvPr/>
+        </p:nvPicPr>
+        <p:blipFill>
+          <a:blip r:embed="rId4">
+            <a:extLst>
+              <a:ext uri="{28A0092B-C50C-407E-A947-70E740481C1C}">
+                <a14:useLocalDpi xmlns:a14="http://schemas.microsoft.com/office/drawing/2010/main" val="0"/>
+              </a:ext>
+            </a:extLst>
+          </a:blip>
+          <a:stretch>
+            <a:fillRect/>
+          </a:stretch>
+        </p:blipFill>
+        <p:spPr>
+          <a:xfrm>
+            <a:off x="10896600" y="5529943"/>
+            <a:ext cx="1095375" cy="1135389"/>
+          </a:xfrm>
+          <a:prstGeom prst="rect">
+            <a:avLst/>
+          </a:prstGeom>
+        </p:spPr>
+      </p:pic>
+      <p:pic>
+        <p:nvPicPr>
+          <p:cNvPr id="9" name="Kép 8">
+            <a:extLst>
+              <a:ext uri="{FF2B5EF4-FFF2-40B4-BE49-F238E27FC236}">
+                <a16:creationId xmlns:a16="http://schemas.microsoft.com/office/drawing/2014/main" id="{31C235F7-2814-4C46-9B5A-0266963A7D80}"/>
+              </a:ext>
+            </a:extLst>
+          </p:cNvPr>
+          <p:cNvPicPr>
+            <a:picLocks noChangeAspect="1"/>
+          </p:cNvPicPr>
+          <p:nvPr/>
+        </p:nvPicPr>
+        <p:blipFill>
+          <a:blip r:embed="rId5"/>
+          <a:stretch>
+            <a:fillRect/>
+          </a:stretch>
+        </p:blipFill>
+        <p:spPr>
+          <a:xfrm>
+            <a:off x="1356651" y="1690688"/>
+            <a:ext cx="9478698" cy="3029373"/>
+          </a:xfrm>
+          <a:prstGeom prst="rect">
+            <a:avLst/>
+          </a:prstGeom>
+        </p:spPr>
+      </p:pic>
+    </p:spTree>
+    <p:extLst>
+      <p:ext uri="{BB962C8B-B14F-4D97-AF65-F5344CB8AC3E}">
+        <p14:creationId xmlns:p14="http://schemas.microsoft.com/office/powerpoint/2010/main" val="107302286"/>
+      </p:ext>
+    </p:extLst>
+  </p:cSld>
+  <p:clrMapOvr>
+    <a:masterClrMapping/>
+  </p:clrMapOvr>
+</p:sld>
+</file>
+
+<file path=ppt/slides/slide45.xml><?xml version="1.0" encoding="utf-8"?>
+<p:sld xmlns:a="http://schemas.openxmlformats.org/drawingml/2006/main" xmlns:r="http://schemas.openxmlformats.org/officeDocument/2006/relationships" xmlns:p="http://schemas.openxmlformats.org/presentationml/2006/main">
+  <p:cSld>
+    <p:bg>
+      <p:bgPr>
+        <a:blipFill dpi="0" rotWithShape="1">
+          <a:blip r:embed="rId3">
+            <a:lum/>
+          </a:blip>
+          <a:srcRect/>
+          <a:stretch>
+            <a:fillRect/>
+          </a:stretch>
+        </a:blipFill>
+        <a:effectLst/>
+      </p:bgPr>
+    </p:bg>
+    <p:spTree>
+      <p:nvGrpSpPr>
+        <p:cNvPr id="1" name=""/>
+        <p:cNvGrpSpPr/>
+        <p:nvPr/>
+      </p:nvGrpSpPr>
+      <p:grpSpPr>
+        <a:xfrm>
+          <a:off x="0" y="0"/>
+          <a:ext cx="0" cy="0"/>
+          <a:chOff x="0" y="0"/>
+          <a:chExt cx="0" cy="0"/>
+        </a:xfrm>
+      </p:grpSpPr>
+      <p:sp>
+        <p:nvSpPr>
+          <p:cNvPr id="2" name="Cím 1">
+            <a:extLst>
+              <a:ext uri="{FF2B5EF4-FFF2-40B4-BE49-F238E27FC236}">
+                <a16:creationId xmlns:a16="http://schemas.microsoft.com/office/drawing/2014/main" id="{AD18A23B-4C6B-4063-9B3F-02F74DDEE412}"/>
+              </a:ext>
+            </a:extLst>
+          </p:cNvPr>
+          <p:cNvSpPr>
+            <a:spLocks noGrp="1"/>
+          </p:cNvSpPr>
+          <p:nvPr>
+            <p:ph type="title"/>
+          </p:nvPr>
+        </p:nvSpPr>
+        <p:spPr/>
+        <p:txBody>
+          <a:bodyPr/>
+          <a:lstStyle/>
+          <a:p>
+            <a:r>
+              <a:rPr lang="hu-HU" sz="4400" dirty="0"/>
               <a:t>Videók</a:t>
             </a:r>
           </a:p>
@@ -29053,7 +29815,7 @@
 </p:sld>
 </file>
 
-<file path=ppt/slides/slide45.xml><?xml version="1.0" encoding="utf-8"?>
+<file path=ppt/slides/slide46.xml><?xml version="1.0" encoding="utf-8"?>
 <p:sld xmlns:a="http://schemas.openxmlformats.org/drawingml/2006/main" xmlns:r="http://schemas.openxmlformats.org/officeDocument/2006/relationships" xmlns:p="http://schemas.openxmlformats.org/presentationml/2006/main">
   <p:cSld>
     <p:bg>
@@ -30961,7 +31723,7 @@
                   <a:srgbClr val="FF0000"/>
                 </a:solidFill>
               </a:rPr>
-              <a:t>12</a:t>
+              <a:t>20</a:t>
             </a:r>
           </a:p>
         </p:txBody>
@@ -31609,7 +32371,7 @@
                   <a:srgbClr val="FF0000"/>
                 </a:solidFill>
               </a:rPr>
-              <a:t>12</a:t>
+              <a:t>20</a:t>
             </a:r>
           </a:p>
         </p:txBody>
@@ -32253,7 +33015,7 @@
                   <a:srgbClr val="FF0000"/>
                 </a:solidFill>
               </a:rPr>
-              <a:t>12</a:t>
+              <a:t>20</a:t>
             </a:r>
           </a:p>
         </p:txBody>
